--- a/Theorie/TAGP1718-Erlang01-basis.pptx
+++ b/Theorie/TAGP1718-Erlang01-basis.pptx
@@ -181,7 +181,7 @@
           </a:lstStyle>
           <a:p>
             <a:r>
-              <a:rPr lang="nl-NL" smtClean="0"/>
+              <a:rPr lang="nl-NL"/>
               <a:t>Klik om de stijl te bewerken</a:t>
             </a:r>
             <a:endParaRPr lang="nl-BE"/>
@@ -246,7 +246,7 @@
           </a:lstStyle>
           <a:p>
             <a:r>
-              <a:rPr lang="nl-NL" smtClean="0"/>
+              <a:rPr lang="nl-NL"/>
               <a:t>Klik om de ondertitelstijl van het model te bewerken</a:t>
             </a:r>
             <a:endParaRPr lang="nl-BE"/>
@@ -270,7 +270,7 @@
           <a:p>
             <a:fld id="{C1AE377C-93B0-4B4C-8ED7-A9C6133CAED8}" type="datetimeFigureOut">
               <a:rPr lang="nl-BE" smtClean="0"/>
-              <a:t>22/09/2017</a:t>
+              <a:t>14/03/2018</a:t>
             </a:fld>
             <a:endParaRPr lang="nl-BE"/>
           </a:p>
@@ -364,7 +364,7 @@
           <a:lstStyle/>
           <a:p>
             <a:r>
-              <a:rPr lang="nl-NL" smtClean="0"/>
+              <a:rPr lang="nl-NL"/>
               <a:t>Klik om de stijl te bewerken</a:t>
             </a:r>
             <a:endParaRPr lang="nl-BE"/>
@@ -388,35 +388,35 @@
           <a:p>
             <a:pPr lvl="0"/>
             <a:r>
-              <a:rPr lang="nl-NL" smtClean="0"/>
+              <a:rPr lang="nl-NL"/>
               <a:t>Tekststijl van het model bewerken</a:t>
             </a:r>
           </a:p>
           <a:p>
             <a:pPr lvl="1"/>
             <a:r>
-              <a:rPr lang="nl-NL" smtClean="0"/>
+              <a:rPr lang="nl-NL"/>
               <a:t>Tweede niveau</a:t>
             </a:r>
           </a:p>
           <a:p>
             <a:pPr lvl="2"/>
             <a:r>
-              <a:rPr lang="nl-NL" smtClean="0"/>
+              <a:rPr lang="nl-NL"/>
               <a:t>Derde niveau</a:t>
             </a:r>
           </a:p>
           <a:p>
             <a:pPr lvl="3"/>
             <a:r>
-              <a:rPr lang="nl-NL" smtClean="0"/>
+              <a:rPr lang="nl-NL"/>
               <a:t>Vierde niveau</a:t>
             </a:r>
           </a:p>
           <a:p>
             <a:pPr lvl="4"/>
             <a:r>
-              <a:rPr lang="nl-NL" smtClean="0"/>
+              <a:rPr lang="nl-NL"/>
               <a:t>Vijfde niveau</a:t>
             </a:r>
             <a:endParaRPr lang="nl-BE"/>
@@ -440,7 +440,7 @@
           <a:p>
             <a:fld id="{C1AE377C-93B0-4B4C-8ED7-A9C6133CAED8}" type="datetimeFigureOut">
               <a:rPr lang="nl-BE" smtClean="0"/>
-              <a:t>22/09/2017</a:t>
+              <a:t>14/03/2018</a:t>
             </a:fld>
             <a:endParaRPr lang="nl-BE"/>
           </a:p>
@@ -539,7 +539,7 @@
           <a:lstStyle/>
           <a:p>
             <a:r>
-              <a:rPr lang="nl-NL" smtClean="0"/>
+              <a:rPr lang="nl-NL"/>
               <a:t>Klik om de stijl te bewerken</a:t>
             </a:r>
             <a:endParaRPr lang="nl-BE"/>
@@ -568,35 +568,35 @@
           <a:p>
             <a:pPr lvl="0"/>
             <a:r>
-              <a:rPr lang="nl-NL" smtClean="0"/>
+              <a:rPr lang="nl-NL"/>
               <a:t>Tekststijl van het model bewerken</a:t>
             </a:r>
           </a:p>
           <a:p>
             <a:pPr lvl="1"/>
             <a:r>
-              <a:rPr lang="nl-NL" smtClean="0"/>
+              <a:rPr lang="nl-NL"/>
               <a:t>Tweede niveau</a:t>
             </a:r>
           </a:p>
           <a:p>
             <a:pPr lvl="2"/>
             <a:r>
-              <a:rPr lang="nl-NL" smtClean="0"/>
+              <a:rPr lang="nl-NL"/>
               <a:t>Derde niveau</a:t>
             </a:r>
           </a:p>
           <a:p>
             <a:pPr lvl="3"/>
             <a:r>
-              <a:rPr lang="nl-NL" smtClean="0"/>
+              <a:rPr lang="nl-NL"/>
               <a:t>Vierde niveau</a:t>
             </a:r>
           </a:p>
           <a:p>
             <a:pPr lvl="4"/>
             <a:r>
-              <a:rPr lang="nl-NL" smtClean="0"/>
+              <a:rPr lang="nl-NL"/>
               <a:t>Vijfde niveau</a:t>
             </a:r>
             <a:endParaRPr lang="nl-BE"/>
@@ -620,7 +620,7 @@
           <a:p>
             <a:fld id="{C1AE377C-93B0-4B4C-8ED7-A9C6133CAED8}" type="datetimeFigureOut">
               <a:rPr lang="nl-BE" smtClean="0"/>
-              <a:t>22/09/2017</a:t>
+              <a:t>14/03/2018</a:t>
             </a:fld>
             <a:endParaRPr lang="nl-BE"/>
           </a:p>
@@ -714,7 +714,7 @@
           <a:lstStyle/>
           <a:p>
             <a:r>
-              <a:rPr lang="nl-NL" smtClean="0"/>
+              <a:rPr lang="nl-NL"/>
               <a:t>Klik om de stijl te bewerken</a:t>
             </a:r>
             <a:endParaRPr lang="nl-BE"/>
@@ -738,35 +738,35 @@
           <a:p>
             <a:pPr lvl="0"/>
             <a:r>
-              <a:rPr lang="nl-NL" smtClean="0"/>
+              <a:rPr lang="nl-NL"/>
               <a:t>Tekststijl van het model bewerken</a:t>
             </a:r>
           </a:p>
           <a:p>
             <a:pPr lvl="1"/>
             <a:r>
-              <a:rPr lang="nl-NL" smtClean="0"/>
+              <a:rPr lang="nl-NL"/>
               <a:t>Tweede niveau</a:t>
             </a:r>
           </a:p>
           <a:p>
             <a:pPr lvl="2"/>
             <a:r>
-              <a:rPr lang="nl-NL" smtClean="0"/>
+              <a:rPr lang="nl-NL"/>
               <a:t>Derde niveau</a:t>
             </a:r>
           </a:p>
           <a:p>
             <a:pPr lvl="3"/>
             <a:r>
-              <a:rPr lang="nl-NL" smtClean="0"/>
+              <a:rPr lang="nl-NL"/>
               <a:t>Vierde niveau</a:t>
             </a:r>
           </a:p>
           <a:p>
             <a:pPr lvl="4"/>
             <a:r>
-              <a:rPr lang="nl-NL" smtClean="0"/>
+              <a:rPr lang="nl-NL"/>
               <a:t>Vijfde niveau</a:t>
             </a:r>
             <a:endParaRPr lang="nl-BE"/>
@@ -795,7 +795,7 @@
           <a:p>
             <a:fld id="{C1AE377C-93B0-4B4C-8ED7-A9C6133CAED8}" type="datetimeFigureOut">
               <a:rPr lang="nl-BE" smtClean="0"/>
-              <a:t>22/09/2017</a:t>
+              <a:t>14/03/2018</a:t>
             </a:fld>
             <a:endParaRPr lang="nl-BE"/>
           </a:p>
@@ -908,7 +908,7 @@
           </a:lstStyle>
           <a:p>
             <a:r>
-              <a:rPr lang="nl-NL" smtClean="0"/>
+              <a:rPr lang="nl-NL"/>
               <a:t>Klik om de stijl te bewerken</a:t>
             </a:r>
             <a:endParaRPr lang="nl-BE"/>
@@ -1028,7 +1028,7 @@
           <a:p>
             <a:pPr lvl="0"/>
             <a:r>
-              <a:rPr lang="nl-NL" smtClean="0"/>
+              <a:rPr lang="nl-NL"/>
               <a:t>Tekststijl van het model bewerken</a:t>
             </a:r>
           </a:p>
@@ -1051,7 +1051,7 @@
           <a:p>
             <a:fld id="{C1AE377C-93B0-4B4C-8ED7-A9C6133CAED8}" type="datetimeFigureOut">
               <a:rPr lang="nl-BE" smtClean="0"/>
-              <a:t>22/09/2017</a:t>
+              <a:t>14/03/2018</a:t>
             </a:fld>
             <a:endParaRPr lang="nl-BE"/>
           </a:p>
@@ -1145,7 +1145,7 @@
           <a:lstStyle/>
           <a:p>
             <a:r>
-              <a:rPr lang="nl-NL" smtClean="0"/>
+              <a:rPr lang="nl-NL"/>
               <a:t>Klik om de stijl te bewerken</a:t>
             </a:r>
             <a:endParaRPr lang="nl-BE"/>
@@ -1174,35 +1174,35 @@
           <a:p>
             <a:pPr lvl="0"/>
             <a:r>
-              <a:rPr lang="nl-NL" smtClean="0"/>
+              <a:rPr lang="nl-NL"/>
               <a:t>Tekststijl van het model bewerken</a:t>
             </a:r>
           </a:p>
           <a:p>
             <a:pPr lvl="1"/>
             <a:r>
-              <a:rPr lang="nl-NL" smtClean="0"/>
+              <a:rPr lang="nl-NL"/>
               <a:t>Tweede niveau</a:t>
             </a:r>
           </a:p>
           <a:p>
             <a:pPr lvl="2"/>
             <a:r>
-              <a:rPr lang="nl-NL" smtClean="0"/>
+              <a:rPr lang="nl-NL"/>
               <a:t>Derde niveau</a:t>
             </a:r>
           </a:p>
           <a:p>
             <a:pPr lvl="3"/>
             <a:r>
-              <a:rPr lang="nl-NL" smtClean="0"/>
+              <a:rPr lang="nl-NL"/>
               <a:t>Vierde niveau</a:t>
             </a:r>
           </a:p>
           <a:p>
             <a:pPr lvl="4"/>
             <a:r>
-              <a:rPr lang="nl-NL" smtClean="0"/>
+              <a:rPr lang="nl-NL"/>
               <a:t>Vijfde niveau</a:t>
             </a:r>
             <a:endParaRPr lang="nl-BE"/>
@@ -1231,35 +1231,35 @@
           <a:p>
             <a:pPr lvl="0"/>
             <a:r>
-              <a:rPr lang="nl-NL" smtClean="0"/>
+              <a:rPr lang="nl-NL"/>
               <a:t>Tekststijl van het model bewerken</a:t>
             </a:r>
           </a:p>
           <a:p>
             <a:pPr lvl="1"/>
             <a:r>
-              <a:rPr lang="nl-NL" smtClean="0"/>
+              <a:rPr lang="nl-NL"/>
               <a:t>Tweede niveau</a:t>
             </a:r>
           </a:p>
           <a:p>
             <a:pPr lvl="2"/>
             <a:r>
-              <a:rPr lang="nl-NL" smtClean="0"/>
+              <a:rPr lang="nl-NL"/>
               <a:t>Derde niveau</a:t>
             </a:r>
           </a:p>
           <a:p>
             <a:pPr lvl="3"/>
             <a:r>
-              <a:rPr lang="nl-NL" smtClean="0"/>
+              <a:rPr lang="nl-NL"/>
               <a:t>Vierde niveau</a:t>
             </a:r>
           </a:p>
           <a:p>
             <a:pPr lvl="4"/>
             <a:r>
-              <a:rPr lang="nl-NL" smtClean="0"/>
+              <a:rPr lang="nl-NL"/>
               <a:t>Vijfde niveau</a:t>
             </a:r>
             <a:endParaRPr lang="nl-BE"/>
@@ -1283,7 +1283,7 @@
           <a:p>
             <a:fld id="{C1AE377C-93B0-4B4C-8ED7-A9C6133CAED8}" type="datetimeFigureOut">
               <a:rPr lang="nl-BE" smtClean="0"/>
-              <a:t>22/09/2017</a:t>
+              <a:t>14/03/2018</a:t>
             </a:fld>
             <a:endParaRPr lang="nl-BE"/>
           </a:p>
@@ -1382,7 +1382,7 @@
           <a:lstStyle/>
           <a:p>
             <a:r>
-              <a:rPr lang="nl-NL" smtClean="0"/>
+              <a:rPr lang="nl-NL"/>
               <a:t>Klik om de stijl te bewerken</a:t>
             </a:r>
             <a:endParaRPr lang="nl-BE"/>
@@ -1448,7 +1448,7 @@
           <a:p>
             <a:pPr lvl="0"/>
             <a:r>
-              <a:rPr lang="nl-NL" smtClean="0"/>
+              <a:rPr lang="nl-NL"/>
               <a:t>Tekststijl van het model bewerken</a:t>
             </a:r>
           </a:p>
@@ -1476,35 +1476,35 @@
           <a:p>
             <a:pPr lvl="0"/>
             <a:r>
-              <a:rPr lang="nl-NL" smtClean="0"/>
+              <a:rPr lang="nl-NL"/>
               <a:t>Tekststijl van het model bewerken</a:t>
             </a:r>
           </a:p>
           <a:p>
             <a:pPr lvl="1"/>
             <a:r>
-              <a:rPr lang="nl-NL" smtClean="0"/>
+              <a:rPr lang="nl-NL"/>
               <a:t>Tweede niveau</a:t>
             </a:r>
           </a:p>
           <a:p>
             <a:pPr lvl="2"/>
             <a:r>
-              <a:rPr lang="nl-NL" smtClean="0"/>
+              <a:rPr lang="nl-NL"/>
               <a:t>Derde niveau</a:t>
             </a:r>
           </a:p>
           <a:p>
             <a:pPr lvl="3"/>
             <a:r>
-              <a:rPr lang="nl-NL" smtClean="0"/>
+              <a:rPr lang="nl-NL"/>
               <a:t>Vierde niveau</a:t>
             </a:r>
           </a:p>
           <a:p>
             <a:pPr lvl="4"/>
             <a:r>
-              <a:rPr lang="nl-NL" smtClean="0"/>
+              <a:rPr lang="nl-NL"/>
               <a:t>Vijfde niveau</a:t>
             </a:r>
             <a:endParaRPr lang="nl-BE"/>
@@ -1570,7 +1570,7 @@
           <a:p>
             <a:pPr lvl="0"/>
             <a:r>
-              <a:rPr lang="nl-NL" smtClean="0"/>
+              <a:rPr lang="nl-NL"/>
               <a:t>Tekststijl van het model bewerken</a:t>
             </a:r>
           </a:p>
@@ -1598,35 +1598,35 @@
           <a:p>
             <a:pPr lvl="0"/>
             <a:r>
-              <a:rPr lang="nl-NL" smtClean="0"/>
+              <a:rPr lang="nl-NL"/>
               <a:t>Tekststijl van het model bewerken</a:t>
             </a:r>
           </a:p>
           <a:p>
             <a:pPr lvl="1"/>
             <a:r>
-              <a:rPr lang="nl-NL" smtClean="0"/>
+              <a:rPr lang="nl-NL"/>
               <a:t>Tweede niveau</a:t>
             </a:r>
           </a:p>
           <a:p>
             <a:pPr lvl="2"/>
             <a:r>
-              <a:rPr lang="nl-NL" smtClean="0"/>
+              <a:rPr lang="nl-NL"/>
               <a:t>Derde niveau</a:t>
             </a:r>
           </a:p>
           <a:p>
             <a:pPr lvl="3"/>
             <a:r>
-              <a:rPr lang="nl-NL" smtClean="0"/>
+              <a:rPr lang="nl-NL"/>
               <a:t>Vierde niveau</a:t>
             </a:r>
           </a:p>
           <a:p>
             <a:pPr lvl="4"/>
             <a:r>
-              <a:rPr lang="nl-NL" smtClean="0"/>
+              <a:rPr lang="nl-NL"/>
               <a:t>Vijfde niveau</a:t>
             </a:r>
             <a:endParaRPr lang="nl-BE"/>
@@ -1650,7 +1650,7 @@
           <a:p>
             <a:fld id="{C1AE377C-93B0-4B4C-8ED7-A9C6133CAED8}" type="datetimeFigureOut">
               <a:rPr lang="nl-BE" smtClean="0"/>
-              <a:t>22/09/2017</a:t>
+              <a:t>14/03/2018</a:t>
             </a:fld>
             <a:endParaRPr lang="nl-BE"/>
           </a:p>
@@ -1744,7 +1744,7 @@
           <a:lstStyle/>
           <a:p>
             <a:r>
-              <a:rPr lang="nl-NL" smtClean="0"/>
+              <a:rPr lang="nl-NL"/>
               <a:t>Klik om de stijl te bewerken</a:t>
             </a:r>
             <a:endParaRPr lang="nl-BE"/>
@@ -1768,7 +1768,7 @@
           <a:p>
             <a:fld id="{C1AE377C-93B0-4B4C-8ED7-A9C6133CAED8}" type="datetimeFigureOut">
               <a:rPr lang="nl-BE" smtClean="0"/>
-              <a:t>22/09/2017</a:t>
+              <a:t>14/03/2018</a:t>
             </a:fld>
             <a:endParaRPr lang="nl-BE"/>
           </a:p>
@@ -1863,7 +1863,7 @@
           <a:p>
             <a:fld id="{C1AE377C-93B0-4B4C-8ED7-A9C6133CAED8}" type="datetimeFigureOut">
               <a:rPr lang="nl-BE" smtClean="0"/>
-              <a:t>22/09/2017</a:t>
+              <a:t>14/03/2018</a:t>
             </a:fld>
             <a:endParaRPr lang="nl-BE"/>
           </a:p>
@@ -1966,7 +1966,7 @@
           </a:lstStyle>
           <a:p>
             <a:r>
-              <a:rPr lang="nl-NL" smtClean="0"/>
+              <a:rPr lang="nl-NL"/>
               <a:t>Klik om de stijl te bewerken</a:t>
             </a:r>
             <a:endParaRPr lang="nl-BE"/>
@@ -2023,35 +2023,35 @@
           <a:p>
             <a:pPr lvl="0"/>
             <a:r>
-              <a:rPr lang="nl-NL" smtClean="0"/>
+              <a:rPr lang="nl-NL"/>
               <a:t>Tekststijl van het model bewerken</a:t>
             </a:r>
           </a:p>
           <a:p>
             <a:pPr lvl="1"/>
             <a:r>
-              <a:rPr lang="nl-NL" smtClean="0"/>
+              <a:rPr lang="nl-NL"/>
               <a:t>Tweede niveau</a:t>
             </a:r>
           </a:p>
           <a:p>
             <a:pPr lvl="2"/>
             <a:r>
-              <a:rPr lang="nl-NL" smtClean="0"/>
+              <a:rPr lang="nl-NL"/>
               <a:t>Derde niveau</a:t>
             </a:r>
           </a:p>
           <a:p>
             <a:pPr lvl="3"/>
             <a:r>
-              <a:rPr lang="nl-NL" smtClean="0"/>
+              <a:rPr lang="nl-NL"/>
               <a:t>Vierde niveau</a:t>
             </a:r>
           </a:p>
           <a:p>
             <a:pPr lvl="4"/>
             <a:r>
-              <a:rPr lang="nl-NL" smtClean="0"/>
+              <a:rPr lang="nl-NL"/>
               <a:t>Vijfde niveau</a:t>
             </a:r>
             <a:endParaRPr lang="nl-BE"/>
@@ -2117,7 +2117,7 @@
           <a:p>
             <a:pPr lvl="0"/>
             <a:r>
-              <a:rPr lang="nl-NL" smtClean="0"/>
+              <a:rPr lang="nl-NL"/>
               <a:t>Tekststijl van het model bewerken</a:t>
             </a:r>
           </a:p>
@@ -2140,7 +2140,7 @@
           <a:p>
             <a:fld id="{C1AE377C-93B0-4B4C-8ED7-A9C6133CAED8}" type="datetimeFigureOut">
               <a:rPr lang="nl-BE" smtClean="0"/>
-              <a:t>22/09/2017</a:t>
+              <a:t>14/03/2018</a:t>
             </a:fld>
             <a:endParaRPr lang="nl-BE"/>
           </a:p>
@@ -2243,7 +2243,7 @@
           </a:lstStyle>
           <a:p>
             <a:r>
-              <a:rPr lang="nl-NL" smtClean="0"/>
+              <a:rPr lang="nl-NL"/>
               <a:t>Klik om de stijl te bewerken</a:t>
             </a:r>
             <a:endParaRPr lang="nl-BE"/>
@@ -2308,7 +2308,7 @@
           </a:lstStyle>
           <a:p>
             <a:r>
-              <a:rPr lang="nl-NL" smtClean="0"/>
+              <a:rPr lang="nl-NL"/>
               <a:t>Klik op het pictogram als u een afbeelding wilt toevoegen</a:t>
             </a:r>
             <a:endParaRPr lang="nl-BE"/>
@@ -2374,7 +2374,7 @@
           <a:p>
             <a:pPr lvl="0"/>
             <a:r>
-              <a:rPr lang="nl-NL" smtClean="0"/>
+              <a:rPr lang="nl-NL"/>
               <a:t>Tekststijl van het model bewerken</a:t>
             </a:r>
           </a:p>
@@ -2397,7 +2397,7 @@
           <a:p>
             <a:fld id="{C1AE377C-93B0-4B4C-8ED7-A9C6133CAED8}" type="datetimeFigureOut">
               <a:rPr lang="nl-BE" smtClean="0"/>
-              <a:t>22/09/2017</a:t>
+              <a:t>14/03/2018</a:t>
             </a:fld>
             <a:endParaRPr lang="nl-BE"/>
           </a:p>
@@ -2506,7 +2506,7 @@
           <a:lstStyle/>
           <a:p>
             <a:r>
-              <a:rPr lang="nl-NL" smtClean="0"/>
+              <a:rPr lang="nl-NL"/>
               <a:t>Klik om de stijl te bewerken</a:t>
             </a:r>
             <a:endParaRPr lang="nl-BE"/>
@@ -2540,35 +2540,35 @@
           <a:p>
             <a:pPr lvl="0"/>
             <a:r>
-              <a:rPr lang="nl-NL" smtClean="0"/>
+              <a:rPr lang="nl-NL"/>
               <a:t>Tekststijl van het model bewerken</a:t>
             </a:r>
           </a:p>
           <a:p>
             <a:pPr lvl="1"/>
             <a:r>
-              <a:rPr lang="nl-NL" smtClean="0"/>
+              <a:rPr lang="nl-NL"/>
               <a:t>Tweede niveau</a:t>
             </a:r>
           </a:p>
           <a:p>
             <a:pPr lvl="2"/>
             <a:r>
-              <a:rPr lang="nl-NL" smtClean="0"/>
+              <a:rPr lang="nl-NL"/>
               <a:t>Derde niveau</a:t>
             </a:r>
           </a:p>
           <a:p>
             <a:pPr lvl="3"/>
             <a:r>
-              <a:rPr lang="nl-NL" smtClean="0"/>
+              <a:rPr lang="nl-NL"/>
               <a:t>Vierde niveau</a:t>
             </a:r>
           </a:p>
           <a:p>
             <a:pPr lvl="4"/>
             <a:r>
-              <a:rPr lang="nl-NL" smtClean="0"/>
+              <a:rPr lang="nl-NL"/>
               <a:t>Vijfde niveau</a:t>
             </a:r>
             <a:endParaRPr lang="nl-BE"/>
@@ -2610,7 +2610,7 @@
           <a:p>
             <a:fld id="{C1AE377C-93B0-4B4C-8ED7-A9C6133CAED8}" type="datetimeFigureOut">
               <a:rPr lang="nl-BE" smtClean="0"/>
-              <a:t>22/09/2017</a:t>
+              <a:t>14/03/2018</a:t>
             </a:fld>
             <a:endParaRPr lang="nl-BE"/>
           </a:p>
@@ -3159,10 +3159,10 @@
           <a:p>
             <a:pPr eaLnBrk="1" hangingPunct="1"/>
             <a:r>
-              <a:rPr lang="nl-BE" altLang="nl-BE" smtClean="0"/>
+              <a:rPr lang="nl-BE" altLang="nl-BE"/>
               <a:t>Erlang</a:t>
             </a:r>
-            <a:endParaRPr lang="en-US" altLang="nl-BE" smtClean="0"/>
+            <a:endParaRPr lang="en-US" altLang="nl-BE"/>
           </a:p>
         </p:txBody>
       </p:sp>
@@ -3183,19 +3183,19 @@
           <a:p>
             <a:pPr eaLnBrk="1" hangingPunct="1"/>
             <a:r>
-              <a:rPr lang="en-US" altLang="nl-BE" sz="2600" i="1" dirty="0" err="1" smtClean="0"/>
+              <a:rPr lang="en-US" altLang="nl-BE" sz="2600" i="1" dirty="0" err="1"/>
               <a:t>Een</a:t>
             </a:r>
             <a:r>
-              <a:rPr lang="en-US" altLang="nl-BE" sz="2600" i="1" dirty="0" smtClean="0"/>
+              <a:rPr lang="en-US" altLang="nl-BE" sz="2600" i="1" dirty="0"/>
               <a:t> </a:t>
             </a:r>
             <a:r>
-              <a:rPr lang="en-US" altLang="nl-BE" sz="2600" i="1" dirty="0" err="1" smtClean="0"/>
+              <a:rPr lang="en-US" altLang="nl-BE" sz="2600" i="1" dirty="0" err="1"/>
               <a:t>introductie</a:t>
             </a:r>
             <a:r>
-              <a:rPr lang="en-US" altLang="nl-BE" sz="2600" i="1" dirty="0" smtClean="0"/>
+              <a:rPr lang="en-US" altLang="nl-BE" sz="2600" i="1" dirty="0"/>
               <a:t> tot </a:t>
             </a:r>
             <a:r>
@@ -3212,32 +3212,27 @@
             </a:r>
             <a:r>
               <a:rPr lang="en-US" altLang="nl-BE" sz="2600" i="1" dirty="0"/>
-              <a:t> (FP</a:t>
-            </a:r>
-            <a:r>
-              <a:rPr lang="en-US" altLang="nl-BE" sz="2600" i="1" dirty="0" smtClean="0"/>
-              <a:t>)</a:t>
+              <a:t> (FP)</a:t>
             </a:r>
           </a:p>
           <a:p>
             <a:pPr eaLnBrk="1" hangingPunct="1"/>
             <a:r>
-              <a:rPr lang="en-US" altLang="nl-BE" sz="2600" i="1" dirty="0" err="1" smtClean="0"/>
+              <a:rPr lang="en-US" altLang="nl-BE" sz="2600" i="1" dirty="0" err="1"/>
               <a:t>Eerst</a:t>
             </a:r>
             <a:r>
-              <a:rPr lang="en-US" altLang="nl-BE" sz="2600" i="1" dirty="0" smtClean="0"/>
+              <a:rPr lang="en-US" altLang="nl-BE" sz="2600" i="1" dirty="0"/>
               <a:t> in </a:t>
             </a:r>
             <a:r>
-              <a:rPr lang="en-US" altLang="nl-BE" sz="2600" i="1" dirty="0" err="1" smtClean="0"/>
+              <a:rPr lang="en-US" altLang="nl-BE" sz="2600" i="1" dirty="0" err="1"/>
               <a:t>Erlang</a:t>
             </a:r>
             <a:r>
-              <a:rPr lang="en-US" altLang="nl-BE" sz="2600" i="1" dirty="0" smtClean="0"/>
+              <a:rPr lang="en-US" altLang="nl-BE" sz="2600" i="1" dirty="0"/>
               <a:t>, later in Haskell</a:t>
             </a:r>
-            <a:endParaRPr lang="en-US" altLang="nl-BE" sz="2600" i="1" dirty="0"/>
           </a:p>
         </p:txBody>
       </p:sp>
@@ -3252,13 +3247,6 @@
     <a:masterClrMapping/>
   </p:clrMapOvr>
   <p:transition/>
-  <p:timing>
-    <p:tnLst>
-      <p:par>
-        <p:cTn id="1" dur="indefinite" restart="never" nodeType="tmRoot"/>
-      </p:par>
-    </p:tnLst>
-  </p:timing>
 </p:sld>
 </file>
 
@@ -3295,14 +3283,13 @@
           <a:lstStyle/>
           <a:p>
             <a:r>
-              <a:rPr lang="nl-BE" dirty="0" err="1" smtClean="0"/>
+              <a:rPr lang="nl-BE" dirty="0" err="1"/>
               <a:t>Pattern</a:t>
             </a:r>
             <a:r>
-              <a:rPr lang="nl-BE" dirty="0" smtClean="0"/>
+              <a:rPr lang="nl-BE" dirty="0"/>
               <a:t> matching</a:t>
             </a:r>
-            <a:endParaRPr lang="nl-BE" dirty="0"/>
           </a:p>
         </p:txBody>
       </p:sp>
@@ -3324,27 +3311,27 @@
           <a:lstStyle/>
           <a:p>
             <a:r>
-              <a:rPr lang="nl-BE" dirty="0" err="1" smtClean="0"/>
+              <a:rPr lang="nl-BE" dirty="0" err="1"/>
               <a:t>Ipv</a:t>
             </a:r>
             <a:r>
-              <a:rPr lang="nl-BE" dirty="0" smtClean="0"/>
+              <a:rPr lang="nl-BE" dirty="0"/>
               <a:t> de </a:t>
             </a:r>
             <a:r>
-              <a:rPr lang="nl-BE" dirty="0" err="1" smtClean="0"/>
+              <a:rPr lang="nl-BE" dirty="0" err="1"/>
               <a:t>if</a:t>
             </a:r>
             <a:r>
-              <a:rPr lang="nl-BE" dirty="0" smtClean="0"/>
+              <a:rPr lang="nl-BE" dirty="0"/>
               <a:t> kan je werken met </a:t>
             </a:r>
             <a:r>
-              <a:rPr lang="nl-BE" dirty="0" err="1" smtClean="0"/>
+              <a:rPr lang="nl-BE" dirty="0" err="1"/>
               <a:t>patroon-herkenning</a:t>
             </a:r>
             <a:r>
-              <a:rPr lang="nl-BE" dirty="0" smtClean="0"/>
+              <a:rPr lang="nl-BE" dirty="0"/>
               <a:t>, bv.</a:t>
             </a:r>
           </a:p>
@@ -3356,61 +3343,19 @@
               <a:buNone/>
             </a:pPr>
             <a:r>
-              <a:rPr lang="nl-BE" dirty="0" err="1" smtClean="0"/>
+              <a:rPr lang="nl-BE" dirty="0" err="1"/>
               <a:t>isSpeciaal</a:t>
             </a:r>
             <a:r>
-              <a:rPr lang="nl-BE" dirty="0" smtClean="0"/>
+              <a:rPr lang="nl-BE" dirty="0"/>
               <a:t>(1) -&gt; </a:t>
-            </a:r>
-            <a:r>
-              <a:rPr lang="nl-BE" dirty="0" err="1" smtClean="0"/>
-              <a:t>true</a:t>
-            </a:r>
-            <a:r>
-              <a:rPr lang="nl-BE" dirty="0" smtClean="0"/>
-              <a:t>;</a:t>
-            </a:r>
-          </a:p>
-          <a:p>
-            <a:pPr marL="0" indent="0">
-              <a:buNone/>
-            </a:pPr>
-            <a:r>
-              <a:rPr lang="nl-BE" dirty="0" err="1" smtClean="0"/>
-              <a:t>isSpeciaal</a:t>
-            </a:r>
-            <a:r>
-              <a:rPr lang="nl-BE" dirty="0" smtClean="0"/>
-              <a:t>(2)-&gt; </a:t>
-            </a:r>
-            <a:r>
-              <a:rPr lang="nl-BE" dirty="0" err="1" smtClean="0"/>
-              <a:t>true</a:t>
-            </a:r>
-            <a:r>
-              <a:rPr lang="nl-BE" dirty="0" smtClean="0"/>
-              <a:t>;</a:t>
-            </a:r>
-          </a:p>
-          <a:p>
-            <a:pPr marL="0" indent="0">
-              <a:buNone/>
-            </a:pPr>
-            <a:r>
-              <a:rPr lang="nl-BE" dirty="0" err="1" smtClean="0"/>
-              <a:t>isSpeciaal</a:t>
-            </a:r>
-            <a:r>
-              <a:rPr lang="nl-BE" dirty="0" smtClean="0"/>
-              <a:t>(3) -&gt; </a:t>
             </a:r>
             <a:r>
               <a:rPr lang="nl-BE" dirty="0" err="1"/>
               <a:t>true</a:t>
             </a:r>
             <a:r>
-              <a:rPr lang="nl-BE" dirty="0" smtClean="0"/>
+              <a:rPr lang="nl-BE" dirty="0"/>
               <a:t>;</a:t>
             </a:r>
           </a:p>
@@ -3419,12 +3364,12 @@
               <a:buNone/>
             </a:pPr>
             <a:r>
-              <a:rPr lang="nl-BE" dirty="0" err="1" smtClean="0"/>
+              <a:rPr lang="nl-BE" dirty="0" err="1"/>
               <a:t>isSpeciaal</a:t>
             </a:r>
             <a:r>
-              <a:rPr lang="nl-BE" dirty="0" smtClean="0"/>
-              <a:t>(7) -&gt; </a:t>
+              <a:rPr lang="nl-BE" dirty="0"/>
+              <a:t>(2)-&gt; </a:t>
             </a:r>
             <a:r>
               <a:rPr lang="nl-BE" dirty="0" err="1"/>
@@ -3440,19 +3385,61 @@
               <a:buNone/>
             </a:pPr>
             <a:r>
-              <a:rPr lang="nl-BE" dirty="0" err="1" smtClean="0"/>
+              <a:rPr lang="nl-BE" dirty="0" err="1"/>
               <a:t>isSpeciaal</a:t>
             </a:r>
             <a:r>
-              <a:rPr lang="nl-BE" dirty="0" smtClean="0"/>
+              <a:rPr lang="nl-BE" dirty="0"/>
+              <a:t>(3) -&gt; </a:t>
+            </a:r>
+            <a:r>
+              <a:rPr lang="nl-BE" dirty="0" err="1"/>
+              <a:t>true</a:t>
+            </a:r>
+            <a:r>
+              <a:rPr lang="nl-BE" dirty="0"/>
+              <a:t>;</a:t>
+            </a:r>
+          </a:p>
+          <a:p>
+            <a:pPr marL="0" indent="0">
+              <a:buNone/>
+            </a:pPr>
+            <a:r>
+              <a:rPr lang="nl-BE" dirty="0" err="1"/>
+              <a:t>isSpeciaal</a:t>
+            </a:r>
+            <a:r>
+              <a:rPr lang="nl-BE" dirty="0"/>
+              <a:t>(7) -&gt; </a:t>
+            </a:r>
+            <a:r>
+              <a:rPr lang="nl-BE" dirty="0" err="1"/>
+              <a:t>true</a:t>
+            </a:r>
+            <a:r>
+              <a:rPr lang="nl-BE" dirty="0"/>
+              <a:t>;</a:t>
+            </a:r>
+          </a:p>
+          <a:p>
+            <a:pPr marL="0" indent="0">
+              <a:buNone/>
+            </a:pPr>
+            <a:r>
+              <a:rPr lang="nl-BE" dirty="0" err="1"/>
+              <a:t>isSpeciaal</a:t>
+            </a:r>
+            <a:r>
+              <a:rPr lang="nl-BE" dirty="0"/>
               <a:t>(N) -&gt; </a:t>
             </a:r>
             <a:r>
-              <a:rPr lang="nl-BE" dirty="0" err="1" smtClean="0"/>
+              <a:rPr lang="nl-BE" dirty="0" err="1"/>
               <a:t>false</a:t>
             </a:r>
             <a:r>
-              <a:rPr lang="nl-BE" dirty="0" smtClean="0"/>
+              <a:rPr lang="nl-BE" dirty="0"/>
               <a:t>.</a:t>
             </a:r>
           </a:p>
@@ -3464,10 +3451,9 @@
           </a:p>
           <a:p>
             <a:r>
-              <a:rPr lang="nl-BE" dirty="0" smtClean="0"/>
+              <a:rPr lang="nl-BE" dirty="0"/>
               <a:t>Syntax: ; op het einde van een clause.</a:t>
             </a:r>
-            <a:endParaRPr lang="nl-BE" dirty="0"/>
           </a:p>
           <a:p>
             <a:pPr marL="0" indent="0">
@@ -3487,13 +3473,6 @@
   <p:clrMapOvr>
     <a:masterClrMapping/>
   </p:clrMapOvr>
-  <p:timing>
-    <p:tnLst>
-      <p:par>
-        <p:cTn id="1" dur="indefinite" restart="never" nodeType="tmRoot"/>
-      </p:par>
-    </p:tnLst>
-  </p:timing>
 </p:sld>
 </file>
 
@@ -3552,40 +3531,40 @@
           <a:lstStyle/>
           <a:p>
             <a:r>
-              <a:rPr lang="nl-BE" altLang="nl-BE" smtClean="0"/>
+              <a:rPr lang="nl-BE" altLang="nl-BE"/>
               <a:t>Lijst is ofwel leeg	</a:t>
             </a:r>
           </a:p>
           <a:p>
             <a:pPr lvl="1"/>
             <a:r>
-              <a:rPr lang="nl-BE" altLang="nl-BE" smtClean="0"/>
+              <a:rPr lang="nl-BE" altLang="nl-BE"/>
               <a:t> []</a:t>
             </a:r>
           </a:p>
           <a:p>
             <a:r>
-              <a:rPr lang="nl-BE" altLang="nl-BE" smtClean="0"/>
+              <a:rPr lang="nl-BE" altLang="nl-BE"/>
               <a:t>Ofwel een element gevolgd door de rest van de lijst</a:t>
             </a:r>
           </a:p>
           <a:p>
             <a:pPr lvl="1"/>
             <a:r>
-              <a:rPr lang="nl-BE" altLang="nl-BE" smtClean="0"/>
+              <a:rPr lang="nl-BE" altLang="nl-BE"/>
               <a:t>[X|XS]</a:t>
             </a:r>
           </a:p>
           <a:p>
             <a:r>
-              <a:rPr lang="nl-BE" altLang="nl-BE" smtClean="0"/>
+              <a:rPr lang="nl-BE" altLang="nl-BE"/>
               <a:t>Kan ook 2 of 3 of … elementen zijn</a:t>
             </a:r>
           </a:p>
           <a:p>
             <a:pPr lvl="1"/>
             <a:r>
-              <a:rPr lang="nl-BE" altLang="nl-BE" smtClean="0"/>
+              <a:rPr lang="nl-BE" altLang="nl-BE"/>
               <a:t>[X, Y] of [X, Y, Z]</a:t>
             </a:r>
             <a:endParaRPr lang="nl-BE" altLang="nl-BE">
@@ -3604,13 +3583,6 @@
   <p:clrMapOvr>
     <a:masterClrMapping/>
   </p:clrMapOvr>
-  <p:timing>
-    <p:tnLst>
-      <p:par>
-        <p:cTn id="1" dur="indefinite" restart="never" nodeType="tmRoot"/>
-      </p:par>
-    </p:tnLst>
-  </p:timing>
 </p:sld>
 </file>
 
@@ -3647,7 +3619,7 @@
           <a:lstStyle/>
           <a:p>
             <a:r>
-              <a:rPr lang="nl-BE" altLang="nl-BE" smtClean="0"/>
+              <a:rPr lang="nl-BE" altLang="nl-BE"/>
               <a:t>Belangrijke principes</a:t>
             </a:r>
           </a:p>
@@ -3676,11 +3648,11 @@
           <a:lstStyle/>
           <a:p>
             <a:r>
-              <a:rPr lang="nl-BE" altLang="nl-BE" dirty="0" err="1" smtClean="0"/>
+              <a:rPr lang="nl-BE" altLang="nl-BE" dirty="0" err="1"/>
               <a:t>Pattern</a:t>
             </a:r>
             <a:r>
-              <a:rPr lang="nl-BE" altLang="nl-BE" dirty="0" smtClean="0"/>
+              <a:rPr lang="nl-BE" altLang="nl-BE" dirty="0"/>
               <a:t> matching</a:t>
             </a:r>
           </a:p>
@@ -3699,19 +3671,31 @@
               <a:rPr lang="en-US" altLang="nl-BE" sz="2000" dirty="0">
                 <a:latin typeface="Berlin Sans FB" panose="020E0602020502020306" pitchFamily="34" charset="0"/>
               </a:rPr>
-              <a:t>( [ ] ) </a:t>
-            </a:r>
-            <a:r>
-              <a:rPr lang="en-US" altLang="nl-BE" sz="2000" dirty="0" smtClean="0">
+              <a:t>( [ ] ) -&gt; … ;</a:t>
+            </a:r>
+          </a:p>
+          <a:p>
+            <a:pPr lvl="1">
+              <a:buFont typeface="Wingdings" panose="05000000000000000000" pitchFamily="2" charset="2"/>
+              <a:buNone/>
+            </a:pPr>
+            <a:r>
+              <a:rPr lang="en-US" altLang="nl-BE" sz="2000" dirty="0" err="1">
                 <a:latin typeface="Berlin Sans FB" panose="020E0602020502020306" pitchFamily="34" charset="0"/>
               </a:rPr>
-              <a:t>-&gt; </a:t>
+              <a:t>isort</a:t>
             </a:r>
             <a:r>
               <a:rPr lang="en-US" altLang="nl-BE" sz="2000" dirty="0">
                 <a:latin typeface="Berlin Sans FB" panose="020E0602020502020306" pitchFamily="34" charset="0"/>
               </a:rPr>
-              <a:t>… ;</a:t>
+              <a:t>( [X|XS] ) -&gt; … .</a:t>
+            </a:r>
+          </a:p>
+          <a:p>
+            <a:r>
+              <a:rPr lang="nl-BE" altLang="nl-BE" dirty="0"/>
+              <a:t>Recursief</a:t>
             </a:r>
           </a:p>
           <a:p>
@@ -3729,25 +3713,33 @@
               <a:rPr lang="en-US" altLang="nl-BE" sz="2000" dirty="0">
                 <a:latin typeface="Berlin Sans FB" panose="020E0602020502020306" pitchFamily="34" charset="0"/>
               </a:rPr>
-              <a:t>( [X|XS] ) </a:t>
-            </a:r>
-            <a:r>
-              <a:rPr lang="en-US" altLang="nl-BE" sz="2000" dirty="0" smtClean="0">
+              <a:t> ( [X|XS] ) -&gt; … (</a:t>
+            </a:r>
+            <a:r>
+              <a:rPr lang="en-US" altLang="nl-BE" sz="2000" dirty="0" err="1">
                 <a:latin typeface="Berlin Sans FB" panose="020E0602020502020306" pitchFamily="34" charset="0"/>
               </a:rPr>
-              <a:t>-&gt; </a:t>
+              <a:t>isort</a:t>
             </a:r>
             <a:r>
               <a:rPr lang="en-US" altLang="nl-BE" sz="2000" dirty="0">
                 <a:latin typeface="Berlin Sans FB" panose="020E0602020502020306" pitchFamily="34" charset="0"/>
               </a:rPr>
-              <a:t>… .</a:t>
-            </a:r>
-          </a:p>
-          <a:p>
-            <a:r>
-              <a:rPr lang="nl-BE" altLang="nl-BE" dirty="0" smtClean="0"/>
-              <a:t>Recursief</a:t>
+              <a:t> XS)</a:t>
+            </a:r>
+          </a:p>
+          <a:p>
+            <a:r>
+              <a:rPr lang="nl-BE" altLang="nl-BE" dirty="0"/>
+              <a:t>Alles is een waarde; ook de </a:t>
+            </a:r>
+            <a:r>
+              <a:rPr lang="nl-BE" altLang="nl-BE" dirty="0" err="1"/>
+              <a:t>if</a:t>
+            </a:r>
+            <a:r>
+              <a:rPr lang="nl-BE" altLang="nl-BE" dirty="0"/>
+              <a:t>!</a:t>
             </a:r>
           </a:p>
           <a:p>
@@ -3756,84 +3748,10 @@
               <a:buNone/>
             </a:pPr>
             <a:r>
-              <a:rPr lang="en-US" altLang="nl-BE" sz="2000" dirty="0" err="1" smtClean="0">
-                <a:latin typeface="Berlin Sans FB" panose="020E0602020502020306" pitchFamily="34" charset="0"/>
-              </a:rPr>
-              <a:t>isort</a:t>
-            </a:r>
-            <a:r>
-              <a:rPr lang="en-US" altLang="nl-BE" sz="2000" dirty="0" smtClean="0">
-                <a:latin typeface="Berlin Sans FB" panose="020E0602020502020306" pitchFamily="34" charset="0"/>
-              </a:rPr>
-              <a:t> </a:t>
-            </a:r>
-            <a:r>
               <a:rPr lang="en-US" altLang="nl-BE" sz="2000" dirty="0">
                 <a:latin typeface="Berlin Sans FB" panose="020E0602020502020306" pitchFamily="34" charset="0"/>
               </a:rPr>
-              <a:t>( [X|XS] ) </a:t>
-            </a:r>
-            <a:r>
-              <a:rPr lang="en-US" altLang="nl-BE" sz="2000" dirty="0" smtClean="0">
-                <a:latin typeface="Berlin Sans FB" panose="020E0602020502020306" pitchFamily="34" charset="0"/>
-              </a:rPr>
-              <a:t>-&gt; </a:t>
-            </a:r>
-            <a:r>
-              <a:rPr lang="en-US" altLang="nl-BE" sz="2000" dirty="0">
-                <a:latin typeface="Berlin Sans FB" panose="020E0602020502020306" pitchFamily="34" charset="0"/>
-              </a:rPr>
-              <a:t>… (</a:t>
-            </a:r>
-            <a:r>
-              <a:rPr lang="en-US" altLang="nl-BE" sz="2000" dirty="0" err="1">
-                <a:latin typeface="Berlin Sans FB" panose="020E0602020502020306" pitchFamily="34" charset="0"/>
-              </a:rPr>
-              <a:t>isort</a:t>
-            </a:r>
-            <a:r>
-              <a:rPr lang="en-US" altLang="nl-BE" sz="2000" dirty="0">
-                <a:latin typeface="Berlin Sans FB" panose="020E0602020502020306" pitchFamily="34" charset="0"/>
-              </a:rPr>
-              <a:t> XS)</a:t>
-            </a:r>
-          </a:p>
-          <a:p>
-            <a:r>
-              <a:rPr lang="nl-BE" altLang="nl-BE" dirty="0" smtClean="0"/>
-              <a:t>Alles is een waarde; ook de </a:t>
-            </a:r>
-            <a:r>
-              <a:rPr lang="nl-BE" altLang="nl-BE" dirty="0" err="1" smtClean="0"/>
-              <a:t>if</a:t>
-            </a:r>
-            <a:r>
-              <a:rPr lang="nl-BE" altLang="nl-BE" dirty="0" smtClean="0"/>
-              <a:t>!</a:t>
-            </a:r>
-          </a:p>
-          <a:p>
-            <a:pPr lvl="1">
-              <a:buFont typeface="Wingdings" panose="05000000000000000000" pitchFamily="2" charset="2"/>
-              <a:buNone/>
-            </a:pPr>
-            <a:r>
-              <a:rPr lang="en-US" altLang="nl-BE" sz="2000" dirty="0">
-                <a:latin typeface="Berlin Sans FB" panose="020E0602020502020306" pitchFamily="34" charset="0"/>
-              </a:rPr>
-              <a:t>… </a:t>
-            </a:r>
-            <a:r>
-              <a:rPr lang="en-US" altLang="nl-BE" sz="2000" dirty="0" smtClean="0">
-                <a:latin typeface="Berlin Sans FB" panose="020E0602020502020306" pitchFamily="34" charset="0"/>
-              </a:rPr>
-              <a:t>-&gt; </a:t>
-            </a:r>
-            <a:r>
-              <a:rPr lang="en-US" altLang="nl-BE" sz="2000" dirty="0">
-                <a:latin typeface="Berlin Sans FB" panose="020E0602020502020306" pitchFamily="34" charset="0"/>
-              </a:rPr>
-              <a:t>if (X&lt;Y)  -&gt; ([X,Y|YS]);</a:t>
+              <a:t>… -&gt; if (X&lt;Y)  -&gt; ([X,Y|YS]);</a:t>
             </a:r>
           </a:p>
           <a:p>
@@ -3864,10 +3782,10 @@
               <a:buFont typeface="Wingdings" panose="05000000000000000000" pitchFamily="2" charset="2"/>
               <a:buNone/>
             </a:pPr>
-            <a:endParaRPr lang="nl-BE" altLang="nl-BE" dirty="0" smtClean="0"/>
-          </a:p>
-          <a:p>
-            <a:endParaRPr lang="nl-BE" altLang="nl-BE" dirty="0" smtClean="0"/>
+            <a:endParaRPr lang="nl-BE" altLang="nl-BE" dirty="0"/>
+          </a:p>
+          <a:p>
+            <a:endParaRPr lang="nl-BE" altLang="nl-BE" dirty="0"/>
           </a:p>
         </p:txBody>
       </p:sp>
@@ -3935,13 +3853,6 @@
   <p:clrMapOvr>
     <a:masterClrMapping/>
   </p:clrMapOvr>
-  <p:timing>
-    <p:tnLst>
-      <p:par>
-        <p:cTn id="1" dur="indefinite" restart="never" nodeType="tmRoot"/>
-      </p:par>
-    </p:tnLst>
-  </p:timing>
 </p:sld>
 </file>
 
@@ -3978,7 +3889,7 @@
           <a:lstStyle/>
           <a:p>
             <a:r>
-              <a:rPr lang="nl-BE" altLang="nl-BE" smtClean="0"/>
+              <a:rPr lang="nl-BE" altLang="nl-BE"/>
               <a:t>If</a:t>
             </a:r>
           </a:p>
@@ -4235,13 +4146,6 @@
   <p:clrMapOvr>
     <a:masterClrMapping/>
   </p:clrMapOvr>
-  <p:timing>
-    <p:tnLst>
-      <p:par>
-        <p:cTn id="1" dur="indefinite" restart="never" nodeType="tmRoot"/>
-      </p:par>
-    </p:tnLst>
-  </p:timing>
 </p:sld>
 </file>
 
@@ -4278,7 +4182,7 @@
           <a:lstStyle/>
           <a:p>
             <a:r>
-              <a:rPr lang="nl-BE" altLang="nl-BE" smtClean="0"/>
+              <a:rPr lang="nl-BE" altLang="nl-BE"/>
               <a:t>When</a:t>
             </a:r>
           </a:p>
@@ -4326,10 +4230,10 @@
               </a:rPr>
               <a:t>someven ([_|XS])   -&gt; … .</a:t>
             </a:r>
-            <a:endParaRPr lang="nl-BE" altLang="nl-BE" smtClean="0"/>
-          </a:p>
-          <a:p>
-            <a:endParaRPr lang="nl-BE" altLang="nl-BE" smtClean="0"/>
+            <a:endParaRPr lang="nl-BE" altLang="nl-BE"/>
+          </a:p>
+          <a:p>
+            <a:endParaRPr lang="nl-BE" altLang="nl-BE"/>
           </a:p>
         </p:txBody>
       </p:sp>
@@ -4343,13 +4247,6 @@
   <p:clrMapOvr>
     <a:masterClrMapping/>
   </p:clrMapOvr>
-  <p:timing>
-    <p:tnLst>
-      <p:par>
-        <p:cTn id="1" dur="indefinite" restart="never" nodeType="tmRoot"/>
-      </p:par>
-    </p:tnLst>
-  </p:timing>
 </p:sld>
 </file>
 
@@ -4386,7 +4283,7 @@
           <a:lstStyle/>
           <a:p>
             <a:r>
-              <a:rPr lang="nl-BE" altLang="nl-BE" smtClean="0"/>
+              <a:rPr lang="nl-BE" altLang="nl-BE"/>
               <a:t>When met &gt;1 voorwaarden</a:t>
             </a:r>
           </a:p>
@@ -4408,20 +4305,20 @@
           <a:lstStyle/>
           <a:p>
             <a:r>
-              <a:rPr lang="nl-BE" altLang="nl-BE" smtClean="0"/>
+              <a:rPr lang="nl-BE" altLang="nl-BE"/>
               <a:t>when A , B   		</a:t>
             </a:r>
           </a:p>
           <a:p>
             <a:pPr lvl="1"/>
             <a:r>
-              <a:rPr lang="nl-BE" altLang="nl-BE" smtClean="0"/>
+              <a:rPr lang="nl-BE" altLang="nl-BE"/>
               <a:t> want ook bij functie-subclauses ;</a:t>
             </a:r>
           </a:p>
           <a:p>
             <a:r>
-              <a:rPr lang="nl-BE" altLang="nl-BE" smtClean="0"/>
+              <a:rPr lang="nl-BE" altLang="nl-BE"/>
               <a:t>when A ; B		</a:t>
             </a:r>
           </a:p>
@@ -4658,15 +4555,15 @@
               <a:t>   		</a:t>
             </a:r>
             <a:r>
-              <a:rPr lang="nl-BE" kern="0" dirty="0" err="1" smtClean="0"/>
+              <a:rPr lang="nl-BE" kern="0" dirty="0" err="1"/>
               <a:t>and</a:t>
             </a:r>
             <a:r>
-              <a:rPr lang="nl-BE" kern="0" dirty="0" smtClean="0"/>
+              <a:rPr lang="nl-BE" kern="0" dirty="0"/>
               <a:t> </a:t>
             </a:r>
             <a:r>
-              <a:rPr lang="nl-BE" kern="0" dirty="0" err="1" smtClean="0"/>
+              <a:rPr lang="nl-BE" kern="0" dirty="0" err="1"/>
               <a:t>also</a:t>
             </a:r>
             <a:endParaRPr lang="nl-BE" kern="0" dirty="0"/>
@@ -4688,14 +4585,10 @@
             </a:pPr>
             <a:r>
               <a:rPr lang="nl-BE" kern="0" dirty="0"/>
-              <a:t>		</a:t>
-            </a:r>
-            <a:r>
-              <a:rPr lang="nl-BE" kern="0" dirty="0" smtClean="0"/>
-              <a:t>or </a:t>
-            </a:r>
-            <a:r>
-              <a:rPr lang="nl-BE" kern="0" dirty="0" err="1" smtClean="0"/>
+              <a:t>		or </a:t>
+            </a:r>
+            <a:r>
+              <a:rPr lang="nl-BE" kern="0" dirty="0" err="1"/>
               <a:t>else</a:t>
             </a:r>
             <a:endParaRPr lang="nl-BE" kern="0" dirty="0"/>
@@ -5072,7 +4965,7 @@
           <a:lstStyle/>
           <a:p>
             <a:r>
-              <a:rPr lang="nl-BE" altLang="nl-BE" smtClean="0"/>
+              <a:rPr lang="nl-BE" altLang="nl-BE"/>
               <a:t>Case</a:t>
             </a:r>
           </a:p>
@@ -5097,7 +4990,7 @@
               <a:defRPr/>
             </a:pPr>
             <a:r>
-              <a:rPr lang="nl-BE" dirty="0" smtClean="0"/>
+              <a:rPr lang="nl-BE" dirty="0"/>
               <a:t>Kan ook</a:t>
             </a:r>
           </a:p>
@@ -5107,16 +5000,12 @@
               <a:defRPr/>
             </a:pPr>
             <a:r>
-              <a:rPr lang="nl-BE" dirty="0" err="1" smtClean="0"/>
+              <a:rPr lang="nl-BE" dirty="0" err="1"/>
               <a:t>heeftDubbels</a:t>
             </a:r>
             <a:r>
-              <a:rPr lang="nl-BE" dirty="0" smtClean="0"/>
-              <a:t> ([</a:t>
-            </a:r>
-            <a:r>
               <a:rPr lang="nl-BE" dirty="0"/>
-              <a:t>X|XS]) -&gt;</a:t>
+              <a:t> ([X|XS]) -&gt;</a:t>
             </a:r>
           </a:p>
           <a:p>
@@ -5155,14 +5044,13 @@
               <a:t> -&gt; </a:t>
             </a:r>
             <a:r>
-              <a:rPr lang="nl-BE" dirty="0" err="1" smtClean="0"/>
+              <a:rPr lang="nl-BE" dirty="0" err="1"/>
               <a:t>true</a:t>
             </a:r>
             <a:r>
-              <a:rPr lang="nl-BE" dirty="0" smtClean="0"/>
+              <a:rPr lang="nl-BE" dirty="0"/>
               <a:t>;</a:t>
             </a:r>
-            <a:endParaRPr lang="nl-BE" dirty="0"/>
           </a:p>
           <a:p>
             <a:pPr marL="457200" lvl="1" indent="0">
@@ -5182,14 +5070,13 @@
               <a:t> -&gt; </a:t>
             </a:r>
             <a:r>
-              <a:rPr lang="nl-BE" dirty="0" err="1" smtClean="0"/>
+              <a:rPr lang="nl-BE" dirty="0" err="1"/>
               <a:t>heeftDubbels</a:t>
             </a:r>
             <a:r>
-              <a:rPr lang="nl-BE" dirty="0" smtClean="0"/>
+              <a:rPr lang="nl-BE" dirty="0"/>
               <a:t>(XS)</a:t>
             </a:r>
-            <a:endParaRPr lang="nl-BE" dirty="0"/>
           </a:p>
           <a:p>
             <a:pPr marL="457200" lvl="1" indent="0">
@@ -5198,11 +5085,7 @@
             </a:pPr>
             <a:r>
               <a:rPr lang="nl-BE" dirty="0"/>
-              <a:t>  end</a:t>
-            </a:r>
-            <a:r>
-              <a:rPr lang="nl-BE" dirty="0" smtClean="0"/>
-              <a:t>.</a:t>
+              <a:t>  end.</a:t>
             </a:r>
           </a:p>
           <a:p>
@@ -5210,20 +5093,18 @@
               <a:defRPr/>
             </a:pPr>
             <a:r>
-              <a:rPr lang="nl-BE" dirty="0" smtClean="0"/>
+              <a:rPr lang="nl-BE" dirty="0"/>
               <a:t>; tussen cases </a:t>
             </a:r>
-            <a:endParaRPr lang="nl-BE" dirty="0"/>
           </a:p>
           <a:p>
             <a:pPr>
               <a:defRPr/>
             </a:pPr>
             <a:r>
-              <a:rPr lang="nl-BE" dirty="0" smtClean="0"/>
+              <a:rPr lang="nl-BE" dirty="0"/>
               <a:t>. achter end.</a:t>
             </a:r>
-            <a:endParaRPr lang="nl-BE" dirty="0"/>
           </a:p>
           <a:p>
             <a:pPr marL="0" indent="0">
@@ -5244,13 +5125,6 @@
   <p:clrMapOvr>
     <a:masterClrMapping/>
   </p:clrMapOvr>
-  <p:timing>
-    <p:tnLst>
-      <p:par>
-        <p:cTn id="1" dur="indefinite" restart="never" nodeType="tmRoot"/>
-      </p:par>
-    </p:tnLst>
-  </p:timing>
 </p:sld>
 </file>
 
@@ -5287,7 +5161,7 @@
           <a:lstStyle/>
           <a:p>
             <a:r>
-              <a:rPr lang="nl-BE" altLang="nl-BE" dirty="0" smtClean="0"/>
+              <a:rPr lang="nl-BE" altLang="nl-BE" dirty="0"/>
               <a:t>Voorbeeld</a:t>
             </a:r>
           </a:p>
@@ -5313,11 +5187,7 @@
             </a:pPr>
             <a:r>
               <a:rPr lang="nl-BE" altLang="nl-BE" dirty="0"/>
-              <a:t>s</a:t>
-            </a:r>
-            <a:r>
-              <a:rPr lang="nl-BE" altLang="nl-BE" dirty="0" smtClean="0"/>
-              <a:t>om([]) -&gt; 0;</a:t>
+              <a:t>som([]) -&gt; 0;</a:t>
             </a:r>
           </a:p>
           <a:p>
@@ -5326,7 +5196,7 @@
               <a:defRPr/>
             </a:pPr>
             <a:r>
-              <a:rPr lang="nl-BE" altLang="nl-BE" dirty="0" smtClean="0"/>
+              <a:rPr lang="nl-BE" altLang="nl-BE" dirty="0"/>
               <a:t>   som ( [X|XS]) -&gt; X + som(XS).</a:t>
             </a:r>
           </a:p>
@@ -5334,26 +5204,26 @@
             <a:pPr>
               <a:defRPr/>
             </a:pPr>
-            <a:endParaRPr lang="nl-BE" altLang="nl-BE" dirty="0" smtClean="0"/>
+            <a:endParaRPr lang="nl-BE" altLang="nl-BE" dirty="0"/>
           </a:p>
           <a:p>
             <a:pPr>
               <a:defRPr/>
             </a:pPr>
             <a:r>
-              <a:rPr lang="nl-BE" altLang="nl-BE" dirty="0" err="1" smtClean="0"/>
+              <a:rPr lang="nl-BE" altLang="nl-BE" dirty="0" err="1"/>
               <a:t>isIn</a:t>
             </a:r>
             <a:r>
-              <a:rPr lang="nl-BE" altLang="nl-BE" dirty="0" smtClean="0"/>
+              <a:rPr lang="nl-BE" altLang="nl-BE" dirty="0"/>
               <a:t>(X, []) -&gt; </a:t>
             </a:r>
             <a:r>
-              <a:rPr lang="nl-BE" altLang="nl-BE" dirty="0" err="1" smtClean="0"/>
+              <a:rPr lang="nl-BE" altLang="nl-BE" dirty="0" err="1"/>
               <a:t>false</a:t>
             </a:r>
             <a:r>
-              <a:rPr lang="nl-BE" altLang="nl-BE" dirty="0" smtClean="0"/>
+              <a:rPr lang="nl-BE" altLang="nl-BE" dirty="0"/>
               <a:t>;</a:t>
             </a:r>
           </a:p>
@@ -5363,62 +5233,54 @@
               <a:defRPr/>
             </a:pPr>
             <a:r>
-              <a:rPr lang="nl-BE" altLang="nl-BE" dirty="0" smtClean="0"/>
+              <a:rPr lang="nl-BE" altLang="nl-BE" dirty="0"/>
               <a:t>   </a:t>
             </a:r>
             <a:r>
-              <a:rPr lang="nl-BE" altLang="nl-BE" dirty="0" err="1" smtClean="0"/>
+              <a:rPr lang="nl-BE" altLang="nl-BE" dirty="0" err="1"/>
               <a:t>isIn</a:t>
             </a:r>
             <a:r>
-              <a:rPr lang="nl-BE" altLang="nl-BE" dirty="0" smtClean="0"/>
+              <a:rPr lang="nl-BE" altLang="nl-BE" dirty="0"/>
               <a:t>(X, [Y|YS] ) </a:t>
             </a:r>
             <a:r>
-              <a:rPr lang="nl-BE" altLang="nl-BE" dirty="0" err="1" smtClean="0"/>
+              <a:rPr lang="nl-BE" altLang="nl-BE" dirty="0" err="1"/>
               <a:t>when</a:t>
             </a:r>
             <a:r>
-              <a:rPr lang="nl-BE" altLang="nl-BE" dirty="0" smtClean="0"/>
-              <a:t> X == </a:t>
-            </a:r>
-            <a:r>
               <a:rPr lang="nl-BE" altLang="nl-BE" dirty="0"/>
-              <a:t>Y</a:t>
-            </a:r>
-            <a:r>
-              <a:rPr lang="nl-BE" altLang="nl-BE" dirty="0" smtClean="0"/>
-              <a:t> -&gt; </a:t>
-            </a:r>
-            <a:r>
-              <a:rPr lang="nl-BE" altLang="nl-BE" dirty="0" err="1" smtClean="0"/>
+              <a:t> X == Y -&gt; </a:t>
+            </a:r>
+            <a:r>
+              <a:rPr lang="nl-BE" altLang="nl-BE" dirty="0" err="1"/>
               <a:t>true</a:t>
             </a:r>
             <a:r>
-              <a:rPr lang="nl-BE" altLang="nl-BE" dirty="0" smtClean="0"/>
+              <a:rPr lang="nl-BE" altLang="nl-BE" dirty="0"/>
               <a:t>;</a:t>
             </a:r>
             <a:br>
-              <a:rPr lang="nl-BE" altLang="nl-BE" dirty="0" smtClean="0"/>
+              <a:rPr lang="nl-BE" altLang="nl-BE" dirty="0"/>
             </a:br>
             <a:r>
-              <a:rPr lang="nl-BE" altLang="nl-BE" dirty="0" smtClean="0"/>
+              <a:rPr lang="nl-BE" altLang="nl-BE" dirty="0"/>
               <a:t>   </a:t>
             </a:r>
             <a:r>
-              <a:rPr lang="nl-BE" altLang="nl-BE" dirty="0" err="1" smtClean="0"/>
+              <a:rPr lang="nl-BE" altLang="nl-BE" dirty="0" err="1"/>
               <a:t>isIn</a:t>
             </a:r>
             <a:r>
-              <a:rPr lang="nl-BE" altLang="nl-BE" dirty="0" smtClean="0"/>
+              <a:rPr lang="nl-BE" altLang="nl-BE" dirty="0"/>
               <a:t>(X, [_|YS] ) -&gt; </a:t>
             </a:r>
             <a:r>
-              <a:rPr lang="nl-BE" altLang="nl-BE" dirty="0" err="1" smtClean="0"/>
+              <a:rPr lang="nl-BE" altLang="nl-BE" dirty="0" err="1"/>
               <a:t>isIn</a:t>
             </a:r>
             <a:r>
-              <a:rPr lang="nl-BE" altLang="nl-BE" dirty="0" smtClean="0"/>
+              <a:rPr lang="nl-BE" altLang="nl-BE" dirty="0"/>
               <a:t>(X, YS).</a:t>
             </a:r>
           </a:p>
@@ -5434,13 +5296,6 @@
   <p:clrMapOvr>
     <a:masterClrMapping/>
   </p:clrMapOvr>
-  <p:timing>
-    <p:tnLst>
-      <p:par>
-        <p:cTn id="1" dur="indefinite" restart="never" nodeType="tmRoot"/>
-      </p:par>
-    </p:tnLst>
-  </p:timing>
 </p:sld>
 </file>
 
@@ -5477,7 +5332,7 @@
           <a:lstStyle/>
           <a:p>
             <a:r>
-              <a:rPr lang="nl-BE" altLang="nl-BE" smtClean="0"/>
+              <a:rPr lang="nl-BE" altLang="nl-BE"/>
               <a:t>Moeilijker voorbeeld: isort</a:t>
             </a:r>
           </a:p>
@@ -5629,13 +5484,6 @@
   <p:clrMapOvr>
     <a:masterClrMapping/>
   </p:clrMapOvr>
-  <p:timing>
-    <p:tnLst>
-      <p:par>
-        <p:cTn id="1" dur="indefinite" restart="never" nodeType="tmRoot"/>
-      </p:par>
-    </p:tnLst>
-  </p:timing>
 </p:sld>
 </file>
 
@@ -5672,14 +5520,13 @@
           <a:lstStyle/>
           <a:p>
             <a:r>
-              <a:rPr lang="nl-BE" dirty="0" err="1" smtClean="0"/>
+              <a:rPr lang="nl-BE" dirty="0" err="1"/>
               <a:t>If</a:t>
             </a:r>
             <a:r>
-              <a:rPr lang="nl-BE" dirty="0" smtClean="0"/>
+              <a:rPr lang="nl-BE" dirty="0"/>
               <a:t> versus case</a:t>
             </a:r>
-            <a:endParaRPr lang="nl-BE" dirty="0"/>
           </a:p>
         </p:txBody>
       </p:sp>
@@ -5713,28 +5560,22 @@
               <a:buNone/>
             </a:pPr>
             <a:r>
-              <a:rPr lang="nl-BE" altLang="nl-BE" dirty="0" smtClean="0">
+              <a:rPr lang="nl-BE" altLang="nl-BE" dirty="0">
                 <a:latin typeface="Arial Unicode MS" panose="020B0604020202020204" pitchFamily="34" charset="-128"/>
               </a:rPr>
               <a:t>talk (</a:t>
             </a:r>
             <a:r>
-              <a:rPr lang="nl-BE" altLang="nl-BE" dirty="0" err="1" smtClean="0">
+              <a:rPr lang="nl-BE" altLang="nl-BE" dirty="0" err="1">
                 <a:latin typeface="Arial Unicode MS" panose="020B0604020202020204" pitchFamily="34" charset="-128"/>
               </a:rPr>
               <a:t>Animal</a:t>
             </a:r>
             <a:r>
-              <a:rPr lang="nl-BE" altLang="nl-BE" dirty="0" smtClean="0">
-                <a:latin typeface="Arial Unicode MS" panose="020B0604020202020204" pitchFamily="34" charset="-128"/>
-              </a:rPr>
-              <a:t>, Status) </a:t>
-            </a:r>
-            <a:r>
               <a:rPr lang="nl-BE" altLang="nl-BE" dirty="0">
                 <a:latin typeface="Arial Unicode MS" panose="020B0604020202020204" pitchFamily="34" charset="-128"/>
               </a:rPr>
-              <a:t>-&gt;</a:t>
+              <a:t>, Status) -&gt;</a:t>
             </a:r>
             <a:endParaRPr lang="nl-BE" altLang="nl-BE" sz="4400" dirty="0"/>
           </a:p>
@@ -5752,13 +5593,13 @@
               <a:buNone/>
             </a:pPr>
             <a:r>
-              <a:rPr lang="nl-BE" altLang="nl-BE" dirty="0" smtClean="0">
+              <a:rPr lang="nl-BE" altLang="nl-BE" dirty="0">
                 <a:latin typeface="Arial Unicode MS" panose="020B0604020202020204" pitchFamily="34" charset="-128"/>
               </a:rPr>
               <a:t>    case </a:t>
             </a:r>
             <a:r>
-              <a:rPr lang="nl-BE" altLang="nl-BE" dirty="0" err="1" smtClean="0">
+              <a:rPr lang="nl-BE" altLang="nl-BE" dirty="0" err="1">
                 <a:latin typeface="Arial Unicode MS" panose="020B0604020202020204" pitchFamily="34" charset="-128"/>
               </a:rPr>
               <a:t>Animal</a:t>
@@ -5767,39 +5608,33 @@
               <a:rPr lang="nl-BE" altLang="nl-BE" dirty="0">
                 <a:latin typeface="Arial Unicode MS" panose="020B0604020202020204" pitchFamily="34" charset="-128"/>
               </a:rPr>
-              <a:t> </a:t>
-            </a:r>
-            <a:r>
-              <a:rPr lang="nl-BE" altLang="nl-BE" dirty="0" smtClean="0">
-                <a:latin typeface="Arial Unicode MS" panose="020B0604020202020204" pitchFamily="34" charset="-128"/>
-              </a:rPr>
-              <a:t>of</a:t>
+              <a:t> of</a:t>
             </a:r>
             <a:br>
-              <a:rPr lang="nl-BE" altLang="nl-BE" dirty="0" smtClean="0">
+              <a:rPr lang="nl-BE" altLang="nl-BE" dirty="0">
                 <a:latin typeface="Arial Unicode MS" panose="020B0604020202020204" pitchFamily="34" charset="-128"/>
               </a:rPr>
             </a:br>
             <a:r>
-              <a:rPr lang="nl-BE" altLang="nl-BE" dirty="0" smtClean="0">
+              <a:rPr lang="nl-BE" altLang="nl-BE" dirty="0">
                 <a:latin typeface="Arial Unicode MS" panose="020B0604020202020204" pitchFamily="34" charset="-128"/>
               </a:rPr>
               <a:t>	</a:t>
             </a:r>
             <a:r>
-              <a:rPr lang="nl-BE" altLang="nl-BE" dirty="0" err="1" smtClean="0">
+              <a:rPr lang="nl-BE" altLang="nl-BE" dirty="0" err="1">
                 <a:latin typeface="Arial Unicode MS" panose="020B0604020202020204" pitchFamily="34" charset="-128"/>
               </a:rPr>
               <a:t>cat</a:t>
             </a:r>
             <a:r>
-              <a:rPr lang="nl-BE" altLang="nl-BE" dirty="0" smtClean="0">
+              <a:rPr lang="nl-BE" altLang="nl-BE" dirty="0">
                 <a:latin typeface="Arial Unicode MS" panose="020B0604020202020204" pitchFamily="34" charset="-128"/>
               </a:rPr>
               <a:t> -&gt;</a:t>
             </a:r>
             <a:r>
-              <a:rPr lang="nl-BE" altLang="nl-BE" sz="4400" dirty="0" smtClean="0"/>
+              <a:rPr lang="nl-BE" altLang="nl-BE" sz="4400" dirty="0"/>
               <a:t> </a:t>
             </a:r>
             <a:r>
@@ -5836,13 +5671,13 @@
               <a:buNone/>
             </a:pPr>
             <a:r>
-              <a:rPr lang="nl-BE" altLang="nl-BE" dirty="0" smtClean="0">
+              <a:rPr lang="nl-BE" altLang="nl-BE" dirty="0">
                 <a:latin typeface="Arial Unicode MS" panose="020B0604020202020204" pitchFamily="34" charset="-128"/>
               </a:rPr>
               <a:t>	beef</a:t>
             </a:r>
             <a:r>
-              <a:rPr lang="nl-BE" altLang="nl-BE" sz="4400" dirty="0" smtClean="0"/>
+              <a:rPr lang="nl-BE" altLang="nl-BE" sz="4400" dirty="0"/>
               <a:t> </a:t>
             </a:r>
             <a:r>
@@ -5889,7 +5724,7 @@
               <a:buNone/>
             </a:pPr>
             <a:r>
-              <a:rPr lang="nl-BE" altLang="nl-BE" dirty="0" smtClean="0">
+              <a:rPr lang="nl-BE" altLang="nl-BE" dirty="0">
                 <a:latin typeface="Arial Unicode MS" panose="020B0604020202020204" pitchFamily="34" charset="-128"/>
               </a:rPr>
               <a:t>	dog</a:t>
@@ -5930,13 +5765,13 @@
               <a:buNone/>
             </a:pPr>
             <a:r>
-              <a:rPr lang="nl-BE" altLang="nl-BE" dirty="0" smtClean="0">
+              <a:rPr lang="nl-BE" altLang="nl-BE" dirty="0">
                 <a:latin typeface="Arial Unicode MS" panose="020B0604020202020204" pitchFamily="34" charset="-128"/>
               </a:rPr>
               <a:t>	tree</a:t>
             </a:r>
             <a:r>
-              <a:rPr lang="nl-BE" altLang="nl-BE" sz="4400" dirty="0" smtClean="0"/>
+              <a:rPr lang="nl-BE" altLang="nl-BE" sz="4400" dirty="0"/>
               <a:t> </a:t>
             </a:r>
             <a:r>
@@ -5971,13 +5806,13 @@
               <a:buNone/>
             </a:pPr>
             <a:r>
-              <a:rPr lang="nl-BE" altLang="nl-BE" dirty="0" smtClean="0">
+              <a:rPr lang="nl-BE" altLang="nl-BE" dirty="0">
                 <a:latin typeface="Arial Unicode MS" panose="020B0604020202020204" pitchFamily="34" charset="-128"/>
               </a:rPr>
               <a:t>	default</a:t>
             </a:r>
             <a:r>
-              <a:rPr lang="nl-BE" altLang="nl-BE" sz="4400" dirty="0" smtClean="0"/>
+              <a:rPr lang="nl-BE" altLang="nl-BE" sz="4400" dirty="0"/>
               <a:t> </a:t>
             </a:r>
             <a:r>
@@ -6027,13 +5862,7 @@
               <a:rPr lang="nl-BE" altLang="nl-BE" dirty="0">
                 <a:latin typeface="Arial Unicode MS" panose="020B0604020202020204" pitchFamily="34" charset="-128"/>
               </a:rPr>
-              <a:t>e</a:t>
-            </a:r>
-            <a:r>
-              <a:rPr lang="nl-BE" altLang="nl-BE" dirty="0" smtClean="0">
-                <a:latin typeface="Arial Unicode MS" panose="020B0604020202020204" pitchFamily="34" charset="-128"/>
-              </a:rPr>
-              <a:t>nd.</a:t>
+              <a:t>end.</a:t>
             </a:r>
             <a:endParaRPr lang="nl-BE" altLang="nl-BE" sz="4400" dirty="0"/>
           </a:p>
@@ -6259,24 +6088,24 @@
               <a:buNone/>
             </a:pPr>
             <a:r>
-              <a:rPr lang="nl-BE" altLang="nl-BE" dirty="0" smtClean="0">
+              <a:rPr lang="nl-BE" altLang="nl-BE" dirty="0">
                 <a:latin typeface="Arial Unicode MS" panose="020B0604020202020204" pitchFamily="34" charset="-128"/>
               </a:rPr>
               <a:t>talk (</a:t>
             </a:r>
             <a:r>
-              <a:rPr lang="nl-BE" altLang="nl-BE" dirty="0" err="1" smtClean="0">
+              <a:rPr lang="nl-BE" altLang="nl-BE" dirty="0" err="1">
                 <a:latin typeface="Arial Unicode MS" panose="020B0604020202020204" pitchFamily="34" charset="-128"/>
               </a:rPr>
               <a:t>Animal</a:t>
             </a:r>
             <a:r>
-              <a:rPr lang="nl-BE" altLang="nl-BE" dirty="0" smtClean="0">
+              <a:rPr lang="nl-BE" altLang="nl-BE" dirty="0">
                 <a:latin typeface="Arial Unicode MS" panose="020B0604020202020204" pitchFamily="34" charset="-128"/>
               </a:rPr>
               <a:t>, Status) -&gt;</a:t>
             </a:r>
-            <a:endParaRPr lang="nl-BE" altLang="nl-BE" sz="4400" dirty="0" smtClean="0"/>
+            <a:endParaRPr lang="nl-BE" altLang="nl-BE" sz="4400" dirty="0"/>
           </a:p>
           <a:p>
             <a:pPr marL="0" indent="0" eaLnBrk="0" fontAlgn="base" hangingPunct="0">
@@ -6292,76 +6121,76 @@
               <a:buNone/>
             </a:pPr>
             <a:r>
-              <a:rPr lang="nl-BE" altLang="nl-BE" dirty="0" smtClean="0">
+              <a:rPr lang="nl-BE" altLang="nl-BE" dirty="0">
                 <a:latin typeface="Arial Unicode MS" panose="020B0604020202020204" pitchFamily="34" charset="-128"/>
               </a:rPr>
               <a:t>    </a:t>
             </a:r>
             <a:r>
-              <a:rPr lang="nl-BE" altLang="nl-BE" dirty="0" err="1" smtClean="0">
+              <a:rPr lang="nl-BE" altLang="nl-BE" dirty="0" err="1">
                 <a:latin typeface="Arial Unicode MS" panose="020B0604020202020204" pitchFamily="34" charset="-128"/>
               </a:rPr>
               <a:t>if</a:t>
             </a:r>
             <a:r>
-              <a:rPr lang="nl-BE" altLang="nl-BE" sz="4400" dirty="0" smtClean="0"/>
+              <a:rPr lang="nl-BE" altLang="nl-BE" sz="4400" dirty="0"/>
               <a:t> 	</a:t>
             </a:r>
             <a:r>
-              <a:rPr lang="nl-BE" altLang="nl-BE" dirty="0" err="1" smtClean="0">
+              <a:rPr lang="nl-BE" altLang="nl-BE" dirty="0" err="1">
                 <a:latin typeface="Arial Unicode MS" panose="020B0604020202020204" pitchFamily="34" charset="-128"/>
               </a:rPr>
               <a:t>Animal</a:t>
             </a:r>
             <a:r>
-              <a:rPr lang="nl-BE" altLang="nl-BE" dirty="0" smtClean="0">
+              <a:rPr lang="nl-BE" altLang="nl-BE" dirty="0">
                 <a:latin typeface="Arial Unicode MS" panose="020B0604020202020204" pitchFamily="34" charset="-128"/>
               </a:rPr>
               <a:t> ==</a:t>
             </a:r>
             <a:r>
-              <a:rPr lang="nl-BE" altLang="nl-BE" sz="4400" dirty="0" smtClean="0"/>
+              <a:rPr lang="nl-BE" altLang="nl-BE" sz="4400" dirty="0"/>
               <a:t> </a:t>
             </a:r>
             <a:r>
-              <a:rPr lang="nl-BE" altLang="nl-BE" dirty="0" err="1" smtClean="0">
+              <a:rPr lang="nl-BE" altLang="nl-BE" dirty="0" err="1">
                 <a:latin typeface="Arial Unicode MS" panose="020B0604020202020204" pitchFamily="34" charset="-128"/>
               </a:rPr>
               <a:t>cat</a:t>
             </a:r>
             <a:r>
-              <a:rPr lang="nl-BE" altLang="nl-BE" sz="4400" dirty="0" smtClean="0"/>
+              <a:rPr lang="nl-BE" altLang="nl-BE" sz="4400" dirty="0"/>
               <a:t>  </a:t>
             </a:r>
             <a:r>
-              <a:rPr lang="nl-BE" altLang="nl-BE" dirty="0" smtClean="0">
+              <a:rPr lang="nl-BE" altLang="nl-BE" dirty="0">
                 <a:latin typeface="Arial Unicode MS" panose="020B0604020202020204" pitchFamily="34" charset="-128"/>
               </a:rPr>
               <a:t>-&gt;</a:t>
             </a:r>
             <a:r>
-              <a:rPr lang="nl-BE" altLang="nl-BE" sz="4400" dirty="0" smtClean="0"/>
+              <a:rPr lang="nl-BE" altLang="nl-BE" sz="4400" dirty="0"/>
               <a:t> </a:t>
             </a:r>
             <a:r>
-              <a:rPr lang="nl-BE" altLang="nl-BE" dirty="0" smtClean="0">
+              <a:rPr lang="nl-BE" altLang="nl-BE" dirty="0">
                 <a:latin typeface="Arial Unicode MS" panose="020B0604020202020204" pitchFamily="34" charset="-128"/>
               </a:rPr>
               <a:t>"</a:t>
             </a:r>
             <a:r>
-              <a:rPr lang="nl-BE" altLang="nl-BE" dirty="0" err="1" smtClean="0">
+              <a:rPr lang="nl-BE" altLang="nl-BE" dirty="0" err="1">
                 <a:latin typeface="Arial Unicode MS" panose="020B0604020202020204" pitchFamily="34" charset="-128"/>
               </a:rPr>
               <a:t>meow</a:t>
             </a:r>
             <a:r>
-              <a:rPr lang="nl-BE" altLang="nl-BE" dirty="0" smtClean="0">
+              <a:rPr lang="nl-BE" altLang="nl-BE" dirty="0">
                 <a:latin typeface="Arial Unicode MS" panose="020B0604020202020204" pitchFamily="34" charset="-128"/>
               </a:rPr>
               <a:t>";</a:t>
             </a:r>
-            <a:endParaRPr lang="nl-BE" altLang="nl-BE" sz="4400" dirty="0" smtClean="0"/>
+            <a:endParaRPr lang="nl-BE" altLang="nl-BE" sz="4400" dirty="0"/>
           </a:p>
           <a:p>
             <a:pPr marL="0" indent="0" eaLnBrk="0" fontAlgn="base" hangingPunct="0">
@@ -6378,66 +6207,66 @@
               <a:buNone/>
             </a:pPr>
             <a:r>
-              <a:rPr lang="nl-BE" altLang="nl-BE" dirty="0" smtClean="0">
+              <a:rPr lang="nl-BE" altLang="nl-BE" dirty="0">
                 <a:latin typeface="Arial Unicode MS" panose="020B0604020202020204" pitchFamily="34" charset="-128"/>
               </a:rPr>
               <a:t>	</a:t>
             </a:r>
             <a:r>
-              <a:rPr lang="nl-BE" altLang="nl-BE" dirty="0" err="1" smtClean="0">
+              <a:rPr lang="nl-BE" altLang="nl-BE" dirty="0" err="1">
                 <a:latin typeface="Arial Unicode MS" panose="020B0604020202020204" pitchFamily="34" charset="-128"/>
               </a:rPr>
               <a:t>Animal</a:t>
             </a:r>
             <a:r>
-              <a:rPr lang="nl-BE" altLang="nl-BE" dirty="0" smtClean="0">
+              <a:rPr lang="nl-BE" altLang="nl-BE" dirty="0">
                 <a:latin typeface="Arial Unicode MS" panose="020B0604020202020204" pitchFamily="34" charset="-128"/>
               </a:rPr>
               <a:t> ==</a:t>
             </a:r>
             <a:r>
-              <a:rPr lang="nl-BE" altLang="nl-BE" sz="4400" dirty="0" smtClean="0"/>
+              <a:rPr lang="nl-BE" altLang="nl-BE" sz="4400" dirty="0"/>
               <a:t> </a:t>
             </a:r>
             <a:r>
-              <a:rPr lang="nl-BE" altLang="nl-BE" dirty="0" smtClean="0">
+              <a:rPr lang="nl-BE" altLang="nl-BE" dirty="0">
                 <a:latin typeface="Arial Unicode MS" panose="020B0604020202020204" pitchFamily="34" charset="-128"/>
               </a:rPr>
               <a:t>beef</a:t>
             </a:r>
             <a:r>
-              <a:rPr lang="nl-BE" altLang="nl-BE" sz="4400" dirty="0" smtClean="0"/>
+              <a:rPr lang="nl-BE" altLang="nl-BE" sz="4400" dirty="0"/>
               <a:t> </a:t>
             </a:r>
             <a:r>
-              <a:rPr lang="nl-BE" altLang="nl-BE" dirty="0" smtClean="0">
+              <a:rPr lang="nl-BE" altLang="nl-BE" dirty="0">
                 <a:latin typeface="Arial Unicode MS" panose="020B0604020202020204" pitchFamily="34" charset="-128"/>
               </a:rPr>
               <a:t>-&gt;</a:t>
             </a:r>
             <a:r>
-              <a:rPr lang="nl-BE" altLang="nl-BE" sz="4400" dirty="0" smtClean="0"/>
+              <a:rPr lang="nl-BE" altLang="nl-BE" sz="4400" dirty="0"/>
               <a:t> </a:t>
             </a:r>
             <a:r>
-              <a:rPr lang="nl-BE" altLang="nl-BE" dirty="0" smtClean="0">
+              <a:rPr lang="nl-BE" altLang="nl-BE" dirty="0">
                 <a:latin typeface="Arial Unicode MS" panose="020B0604020202020204" pitchFamily="34" charset="-128"/>
               </a:rPr>
               <a:t>"</a:t>
             </a:r>
             <a:r>
-              <a:rPr lang="nl-BE" altLang="nl-BE" dirty="0" err="1" smtClean="0">
+              <a:rPr lang="nl-BE" altLang="nl-BE" dirty="0" err="1">
                 <a:latin typeface="Arial Unicode MS" panose="020B0604020202020204" pitchFamily="34" charset="-128"/>
               </a:rPr>
               <a:t>mooo</a:t>
             </a:r>
             <a:r>
-              <a:rPr lang="nl-BE" altLang="nl-BE" dirty="0" smtClean="0">
+              <a:rPr lang="nl-BE" altLang="nl-BE" dirty="0">
                 <a:latin typeface="Arial Unicode MS" panose="020B0604020202020204" pitchFamily="34" charset="-128"/>
               </a:rPr>
               <a:t>";</a:t>
             </a:r>
-            <a:endParaRPr lang="nl-BE" altLang="nl-BE" sz="4400" dirty="0" smtClean="0"/>
+            <a:endParaRPr lang="nl-BE" altLang="nl-BE" sz="4400" dirty="0"/>
           </a:p>
           <a:p>
             <a:pPr marL="0" indent="0" eaLnBrk="0" fontAlgn="base" hangingPunct="0">
@@ -6454,54 +6283,54 @@
               <a:buNone/>
             </a:pPr>
             <a:r>
-              <a:rPr lang="nl-BE" altLang="nl-BE" dirty="0" smtClean="0">
+              <a:rPr lang="nl-BE" altLang="nl-BE" dirty="0">
                 <a:latin typeface="Arial Unicode MS" panose="020B0604020202020204" pitchFamily="34" charset="-128"/>
               </a:rPr>
               <a:t>	</a:t>
             </a:r>
             <a:r>
-              <a:rPr lang="nl-BE" altLang="nl-BE" dirty="0" err="1" smtClean="0">
+              <a:rPr lang="nl-BE" altLang="nl-BE" dirty="0" err="1">
                 <a:latin typeface="Arial Unicode MS" panose="020B0604020202020204" pitchFamily="34" charset="-128"/>
               </a:rPr>
               <a:t>Animal</a:t>
             </a:r>
             <a:r>
-              <a:rPr lang="nl-BE" altLang="nl-BE" dirty="0" smtClean="0">
+              <a:rPr lang="nl-BE" altLang="nl-BE" dirty="0">
                 <a:latin typeface="Arial Unicode MS" panose="020B0604020202020204" pitchFamily="34" charset="-128"/>
               </a:rPr>
               <a:t> ==</a:t>
             </a:r>
             <a:r>
-              <a:rPr lang="nl-BE" altLang="nl-BE" sz="4400" dirty="0" smtClean="0"/>
+              <a:rPr lang="nl-BE" altLang="nl-BE" sz="4400" dirty="0"/>
               <a:t> </a:t>
             </a:r>
             <a:r>
-              <a:rPr lang="nl-BE" altLang="nl-BE" dirty="0" smtClean="0">
+              <a:rPr lang="nl-BE" altLang="nl-BE" dirty="0">
                 <a:latin typeface="Arial Unicode MS" panose="020B0604020202020204" pitchFamily="34" charset="-128"/>
               </a:rPr>
               <a:t>dog</a:t>
             </a:r>
             <a:r>
-              <a:rPr lang="nl-BE" altLang="nl-BE" sz="4400" dirty="0" smtClean="0"/>
+              <a:rPr lang="nl-BE" altLang="nl-BE" sz="4400" dirty="0"/>
               <a:t>  </a:t>
             </a:r>
             <a:r>
-              <a:rPr lang="nl-BE" altLang="nl-BE" dirty="0" smtClean="0">
+              <a:rPr lang="nl-BE" altLang="nl-BE" dirty="0">
                 <a:latin typeface="Arial Unicode MS" panose="020B0604020202020204" pitchFamily="34" charset="-128"/>
               </a:rPr>
               <a:t>-&gt;</a:t>
             </a:r>
             <a:r>
-              <a:rPr lang="nl-BE" altLang="nl-BE" sz="4400" dirty="0" smtClean="0"/>
+              <a:rPr lang="nl-BE" altLang="nl-BE" sz="4400" dirty="0"/>
               <a:t> </a:t>
             </a:r>
             <a:r>
-              <a:rPr lang="nl-BE" altLang="nl-BE" dirty="0" smtClean="0">
+              <a:rPr lang="nl-BE" altLang="nl-BE" dirty="0">
                 <a:latin typeface="Arial Unicode MS" panose="020B0604020202020204" pitchFamily="34" charset="-128"/>
               </a:rPr>
               <a:t>"bark";</a:t>
             </a:r>
-            <a:endParaRPr lang="nl-BE" altLang="nl-BE" sz="4400" dirty="0" smtClean="0"/>
+            <a:endParaRPr lang="nl-BE" altLang="nl-BE" sz="4400" dirty="0"/>
           </a:p>
           <a:p>
             <a:pPr marL="0" indent="0" eaLnBrk="0" fontAlgn="base" hangingPunct="0">
@@ -6518,54 +6347,54 @@
               <a:buNone/>
             </a:pPr>
             <a:r>
-              <a:rPr lang="nl-BE" altLang="nl-BE" dirty="0" smtClean="0">
+              <a:rPr lang="nl-BE" altLang="nl-BE" dirty="0">
                 <a:latin typeface="Arial Unicode MS" panose="020B0604020202020204" pitchFamily="34" charset="-128"/>
               </a:rPr>
               <a:t>	</a:t>
             </a:r>
             <a:r>
-              <a:rPr lang="nl-BE" altLang="nl-BE" dirty="0" err="1" smtClean="0">
+              <a:rPr lang="nl-BE" altLang="nl-BE" dirty="0" err="1">
                 <a:latin typeface="Arial Unicode MS" panose="020B0604020202020204" pitchFamily="34" charset="-128"/>
               </a:rPr>
               <a:t>Animal</a:t>
             </a:r>
             <a:r>
-              <a:rPr lang="nl-BE" altLang="nl-BE" dirty="0" smtClean="0">
+              <a:rPr lang="nl-BE" altLang="nl-BE" dirty="0">
                 <a:latin typeface="Arial Unicode MS" panose="020B0604020202020204" pitchFamily="34" charset="-128"/>
               </a:rPr>
               <a:t> ==</a:t>
             </a:r>
             <a:r>
-              <a:rPr lang="nl-BE" altLang="nl-BE" sz="4400" dirty="0" smtClean="0"/>
+              <a:rPr lang="nl-BE" altLang="nl-BE" sz="4400" dirty="0"/>
               <a:t> </a:t>
             </a:r>
             <a:r>
-              <a:rPr lang="nl-BE" altLang="nl-BE" dirty="0" smtClean="0">
+              <a:rPr lang="nl-BE" altLang="nl-BE" dirty="0">
                 <a:latin typeface="Arial Unicode MS" panose="020B0604020202020204" pitchFamily="34" charset="-128"/>
               </a:rPr>
               <a:t>tree</a:t>
             </a:r>
             <a:r>
-              <a:rPr lang="nl-BE" altLang="nl-BE" sz="4400" dirty="0" smtClean="0"/>
+              <a:rPr lang="nl-BE" altLang="nl-BE" sz="4400" dirty="0"/>
               <a:t> </a:t>
             </a:r>
             <a:r>
-              <a:rPr lang="nl-BE" altLang="nl-BE" dirty="0" smtClean="0">
+              <a:rPr lang="nl-BE" altLang="nl-BE" dirty="0">
                 <a:latin typeface="Arial Unicode MS" panose="020B0604020202020204" pitchFamily="34" charset="-128"/>
               </a:rPr>
               <a:t>-&gt;</a:t>
             </a:r>
             <a:r>
-              <a:rPr lang="nl-BE" altLang="nl-BE" sz="4400" dirty="0" smtClean="0"/>
+              <a:rPr lang="nl-BE" altLang="nl-BE" sz="4400" dirty="0"/>
               <a:t> </a:t>
             </a:r>
             <a:r>
-              <a:rPr lang="nl-BE" altLang="nl-BE" dirty="0" smtClean="0">
+              <a:rPr lang="nl-BE" altLang="nl-BE" dirty="0">
                 <a:latin typeface="Arial Unicode MS" panose="020B0604020202020204" pitchFamily="34" charset="-128"/>
               </a:rPr>
               <a:t>"bark";</a:t>
             </a:r>
-            <a:endParaRPr lang="nl-BE" altLang="nl-BE" sz="4400" dirty="0" smtClean="0"/>
+            <a:endParaRPr lang="nl-BE" altLang="nl-BE" sz="4400" dirty="0"/>
           </a:p>
           <a:p>
             <a:pPr marL="0" indent="0" eaLnBrk="0" fontAlgn="base" hangingPunct="0">
@@ -6582,50 +6411,50 @@
               <a:buNone/>
             </a:pPr>
             <a:r>
-              <a:rPr lang="nl-BE" altLang="nl-BE" dirty="0" smtClean="0">
+              <a:rPr lang="nl-BE" altLang="nl-BE" dirty="0">
                 <a:latin typeface="Arial Unicode MS" panose="020B0604020202020204" pitchFamily="34" charset="-128"/>
               </a:rPr>
               <a:t>	</a:t>
             </a:r>
             <a:r>
-              <a:rPr lang="nl-BE" altLang="nl-BE" dirty="0" err="1" smtClean="0">
+              <a:rPr lang="nl-BE" altLang="nl-BE" dirty="0" err="1">
                 <a:latin typeface="Arial Unicode MS" panose="020B0604020202020204" pitchFamily="34" charset="-128"/>
               </a:rPr>
               <a:t>true</a:t>
             </a:r>
             <a:r>
-              <a:rPr lang="nl-BE" altLang="nl-BE" sz="4400" dirty="0" smtClean="0"/>
+              <a:rPr lang="nl-BE" altLang="nl-BE" sz="4400" dirty="0"/>
               <a:t> </a:t>
             </a:r>
             <a:r>
-              <a:rPr lang="nl-BE" altLang="nl-BE" dirty="0" smtClean="0">
+              <a:rPr lang="nl-BE" altLang="nl-BE" dirty="0">
                 <a:latin typeface="Arial Unicode MS" panose="020B0604020202020204" pitchFamily="34" charset="-128"/>
               </a:rPr>
               <a:t>-&gt;</a:t>
             </a:r>
             <a:r>
-              <a:rPr lang="nl-BE" altLang="nl-BE" sz="4400" dirty="0" smtClean="0"/>
+              <a:rPr lang="nl-BE" altLang="nl-BE" sz="4400" dirty="0"/>
               <a:t> </a:t>
             </a:r>
             <a:r>
-              <a:rPr lang="nl-BE" altLang="nl-BE" dirty="0" smtClean="0">
+              <a:rPr lang="nl-BE" altLang="nl-BE" dirty="0">
                 <a:latin typeface="Arial Unicode MS" panose="020B0604020202020204" pitchFamily="34" charset="-128"/>
               </a:rPr>
               <a:t>"</a:t>
             </a:r>
             <a:r>
-              <a:rPr lang="nl-BE" altLang="nl-BE" dirty="0" err="1" smtClean="0">
+              <a:rPr lang="nl-BE" altLang="nl-BE" dirty="0" err="1">
                 <a:latin typeface="Arial Unicode MS" panose="020B0604020202020204" pitchFamily="34" charset="-128"/>
               </a:rPr>
               <a:t>fgdadfgna</a:t>
             </a:r>
             <a:r>
-              <a:rPr lang="nl-BE" altLang="nl-BE" dirty="0" smtClean="0">
+              <a:rPr lang="nl-BE" altLang="nl-BE" dirty="0">
                 <a:latin typeface="Arial Unicode MS" panose="020B0604020202020204" pitchFamily="34" charset="-128"/>
               </a:rPr>
               <a:t>"</a:t>
             </a:r>
-            <a:endParaRPr lang="nl-BE" altLang="nl-BE" sz="4400" dirty="0" smtClean="0"/>
+            <a:endParaRPr lang="nl-BE" altLang="nl-BE" sz="4400" dirty="0"/>
           </a:p>
           <a:p>
             <a:pPr marL="0" indent="0" eaLnBrk="0" fontAlgn="base" hangingPunct="0">
@@ -6642,12 +6471,12 @@
               <a:buNone/>
             </a:pPr>
             <a:r>
-              <a:rPr lang="nl-BE" altLang="nl-BE" dirty="0" smtClean="0">
+              <a:rPr lang="nl-BE" altLang="nl-BE" dirty="0">
                 <a:latin typeface="Arial Unicode MS" panose="020B0604020202020204" pitchFamily="34" charset="-128"/>
               </a:rPr>
               <a:t>end.</a:t>
             </a:r>
-            <a:endParaRPr lang="nl-BE" altLang="nl-BE" sz="4400" dirty="0" smtClean="0"/>
+            <a:endParaRPr lang="nl-BE" altLang="nl-BE" sz="4400" dirty="0"/>
           </a:p>
           <a:p>
             <a:pPr marL="0" indent="0" eaLnBrk="0" fontAlgn="base" hangingPunct="0">
@@ -6663,7 +6492,7 @@
               <a:buFont typeface="Arial" panose="020B0604020202020204" pitchFamily="34" charset="0"/>
               <a:buNone/>
             </a:pPr>
-            <a:endParaRPr lang="nl-BE" altLang="nl-BE" sz="5400" dirty="0" smtClean="0">
+            <a:endParaRPr lang="nl-BE" altLang="nl-BE" sz="5400" dirty="0">
               <a:latin typeface="Arial" panose="020B0604020202020204" pitchFamily="34" charset="0"/>
             </a:endParaRPr>
           </a:p>
@@ -6695,18 +6524,13 @@
           <a:lstStyle/>
           <a:p>
             <a:r>
-              <a:rPr lang="nl-BE" sz="2400" b="1" dirty="0" smtClean="0">
+              <a:rPr lang="nl-BE" sz="2400" b="1" dirty="0">
                 <a:solidFill>
                   <a:srgbClr val="FF0000"/>
                 </a:solidFill>
               </a:rPr>
               <a:t>Schijnbaar equivalent, maar …</a:t>
             </a:r>
-            <a:endParaRPr lang="nl-BE" sz="2400" b="1" dirty="0">
-              <a:solidFill>
-                <a:srgbClr val="FF0000"/>
-              </a:solidFill>
-            </a:endParaRPr>
           </a:p>
         </p:txBody>
       </p:sp>
@@ -6756,7 +6580,7 @@
           <a:lstStyle/>
           <a:p>
             <a:r>
-              <a:rPr lang="nl-BE" altLang="nl-BE" smtClean="0"/>
+              <a:rPr lang="nl-BE" altLang="nl-BE"/>
               <a:t>Ceci n’est pas un cursus</a:t>
             </a:r>
           </a:p>
@@ -6888,13 +6712,6 @@
   <p:clrMapOvr>
     <a:masterClrMapping/>
   </p:clrMapOvr>
-  <p:timing>
-    <p:tnLst>
-      <p:par>
-        <p:cTn id="1" dur="indefinite" restart="never" nodeType="tmRoot"/>
-      </p:par>
-    </p:tnLst>
-  </p:timing>
 </p:sld>
 </file>
 
@@ -6936,14 +6753,13 @@
           <a:lstStyle/>
           <a:p>
             <a:r>
-              <a:rPr lang="nl-BE" dirty="0" err="1" smtClean="0"/>
+              <a:rPr lang="nl-BE" dirty="0" err="1"/>
               <a:t>If</a:t>
             </a:r>
             <a:r>
-              <a:rPr lang="nl-BE" dirty="0" smtClean="0"/>
+              <a:rPr lang="nl-BE" dirty="0"/>
               <a:t> versus case (2)</a:t>
             </a:r>
-            <a:endParaRPr lang="nl-BE" dirty="0"/>
           </a:p>
         </p:txBody>
       </p:sp>
@@ -6982,7 +6798,7 @@
               <a:buNone/>
             </a:pPr>
             <a:r>
-              <a:rPr lang="nl-BE" altLang="nl-BE" dirty="0" smtClean="0">
+              <a:rPr lang="nl-BE" altLang="nl-BE" dirty="0">
                 <a:latin typeface="Arial Unicode MS" panose="020B0604020202020204" pitchFamily="34" charset="-128"/>
               </a:rPr>
               <a:t>Case: kan dit niet.</a:t>
@@ -7196,24 +7012,24 @@
               <a:buNone/>
             </a:pPr>
             <a:r>
-              <a:rPr lang="nl-BE" altLang="nl-BE" dirty="0" smtClean="0">
+              <a:rPr lang="nl-BE" altLang="nl-BE" dirty="0">
                 <a:latin typeface="Arial Unicode MS" panose="020B0604020202020204" pitchFamily="34" charset="-128"/>
               </a:rPr>
               <a:t>talk (</a:t>
             </a:r>
             <a:r>
-              <a:rPr lang="nl-BE" altLang="nl-BE" dirty="0" err="1" smtClean="0">
+              <a:rPr lang="nl-BE" altLang="nl-BE" dirty="0" err="1">
                 <a:latin typeface="Arial Unicode MS" panose="020B0604020202020204" pitchFamily="34" charset="-128"/>
               </a:rPr>
               <a:t>Animal</a:t>
             </a:r>
             <a:r>
-              <a:rPr lang="nl-BE" altLang="nl-BE" dirty="0" smtClean="0">
+              <a:rPr lang="nl-BE" altLang="nl-BE" dirty="0">
                 <a:latin typeface="Arial Unicode MS" panose="020B0604020202020204" pitchFamily="34" charset="-128"/>
               </a:rPr>
               <a:t>, Status) -&gt;</a:t>
             </a:r>
-            <a:endParaRPr lang="nl-BE" altLang="nl-BE" sz="4400" dirty="0" smtClean="0"/>
+            <a:endParaRPr lang="nl-BE" altLang="nl-BE" sz="4400" dirty="0"/>
           </a:p>
           <a:p>
             <a:pPr marL="0" indent="0" eaLnBrk="0" fontAlgn="base" hangingPunct="0">
@@ -7229,19 +7045,19 @@
               <a:buNone/>
             </a:pPr>
             <a:r>
-              <a:rPr lang="nl-BE" altLang="nl-BE" dirty="0" smtClean="0">
+              <a:rPr lang="nl-BE" altLang="nl-BE" dirty="0">
                 <a:latin typeface="Arial Unicode MS" panose="020B0604020202020204" pitchFamily="34" charset="-128"/>
               </a:rPr>
               <a:t>    </a:t>
             </a:r>
             <a:r>
-              <a:rPr lang="nl-BE" altLang="nl-BE" dirty="0" err="1" smtClean="0">
+              <a:rPr lang="nl-BE" altLang="nl-BE" dirty="0" err="1">
                 <a:latin typeface="Arial Unicode MS" panose="020B0604020202020204" pitchFamily="34" charset="-128"/>
               </a:rPr>
               <a:t>if</a:t>
             </a:r>
             <a:r>
-              <a:rPr lang="nl-BE" altLang="nl-BE" sz="4400" dirty="0" smtClean="0"/>
+              <a:rPr lang="nl-BE" altLang="nl-BE" sz="4400" dirty="0"/>
               <a:t> 	</a:t>
             </a:r>
             <a:r>
@@ -7301,78 +7117,72 @@
               </a:rPr>
               <a:t>”</a:t>
             </a:r>
-            <a:r>
-              <a:rPr lang="nl-BE" altLang="nl-BE" sz="4400" dirty="0" smtClean="0">
-                <a:latin typeface="Arial Unicode MS" panose="020B0604020202020204" pitchFamily="34" charset="-128"/>
-              </a:rPr>
-              <a:t/>
-            </a:r>
             <a:br>
-              <a:rPr lang="nl-BE" altLang="nl-BE" sz="4400" dirty="0" smtClean="0">
+              <a:rPr lang="nl-BE" altLang="nl-BE" sz="4400" dirty="0">
                 <a:latin typeface="Arial Unicode MS" panose="020B0604020202020204" pitchFamily="34" charset="-128"/>
               </a:rPr>
             </a:br>
             <a:r>
-              <a:rPr lang="nl-BE" altLang="nl-BE" sz="4400" dirty="0" smtClean="0">
+              <a:rPr lang="nl-BE" altLang="nl-BE" sz="4400" dirty="0">
                 <a:latin typeface="Arial Unicode MS" panose="020B0604020202020204" pitchFamily="34" charset="-128"/>
               </a:rPr>
               <a:t>      </a:t>
             </a:r>
             <a:r>
-              <a:rPr lang="nl-BE" altLang="nl-BE" dirty="0" err="1" smtClean="0">
+              <a:rPr lang="nl-BE" altLang="nl-BE" dirty="0" err="1">
                 <a:latin typeface="Arial Unicode MS" panose="020B0604020202020204" pitchFamily="34" charset="-128"/>
               </a:rPr>
               <a:t>Animal</a:t>
             </a:r>
             <a:r>
-              <a:rPr lang="nl-BE" altLang="nl-BE" dirty="0" smtClean="0">
+              <a:rPr lang="nl-BE" altLang="nl-BE" dirty="0">
                 <a:latin typeface="Arial Unicode MS" panose="020B0604020202020204" pitchFamily="34" charset="-128"/>
               </a:rPr>
               <a:t> ==</a:t>
             </a:r>
             <a:r>
-              <a:rPr lang="nl-BE" altLang="nl-BE" sz="4400" dirty="0" smtClean="0"/>
+              <a:rPr lang="nl-BE" altLang="nl-BE" sz="4400" dirty="0"/>
               <a:t> </a:t>
             </a:r>
             <a:r>
-              <a:rPr lang="nl-BE" altLang="nl-BE" dirty="0" err="1" smtClean="0">
+              <a:rPr lang="nl-BE" altLang="nl-BE" dirty="0" err="1">
                 <a:latin typeface="Arial Unicode MS" panose="020B0604020202020204" pitchFamily="34" charset="-128"/>
               </a:rPr>
               <a:t>cat</a:t>
             </a:r>
             <a:r>
-              <a:rPr lang="nl-BE" altLang="nl-BE" sz="4400" dirty="0" smtClean="0"/>
+              <a:rPr lang="nl-BE" altLang="nl-BE" sz="4400" dirty="0"/>
               <a:t>  </a:t>
             </a:r>
             <a:r>
-              <a:rPr lang="nl-BE" altLang="nl-BE" dirty="0" smtClean="0">
+              <a:rPr lang="nl-BE" altLang="nl-BE" dirty="0">
                 <a:latin typeface="Arial Unicode MS" panose="020B0604020202020204" pitchFamily="34" charset="-128"/>
               </a:rPr>
               <a:t>-&gt;</a:t>
             </a:r>
             <a:r>
-              <a:rPr lang="nl-BE" altLang="nl-BE" sz="4400" dirty="0" smtClean="0"/>
+              <a:rPr lang="nl-BE" altLang="nl-BE" sz="4400" dirty="0"/>
               <a:t> </a:t>
             </a:r>
             <a:r>
-              <a:rPr lang="nl-BE" altLang="nl-BE" dirty="0" smtClean="0">
+              <a:rPr lang="nl-BE" altLang="nl-BE" dirty="0">
                 <a:latin typeface="Arial Unicode MS" panose="020B0604020202020204" pitchFamily="34" charset="-128"/>
               </a:rPr>
               <a:t>"</a:t>
             </a:r>
             <a:r>
-              <a:rPr lang="nl-BE" altLang="nl-BE" dirty="0" err="1" smtClean="0">
+              <a:rPr lang="nl-BE" altLang="nl-BE" dirty="0" err="1">
                 <a:latin typeface="Arial Unicode MS" panose="020B0604020202020204" pitchFamily="34" charset="-128"/>
               </a:rPr>
               <a:t>meow</a:t>
             </a:r>
             <a:r>
-              <a:rPr lang="nl-BE" altLang="nl-BE" dirty="0" smtClean="0">
+              <a:rPr lang="nl-BE" altLang="nl-BE" dirty="0">
                 <a:latin typeface="Arial Unicode MS" panose="020B0604020202020204" pitchFamily="34" charset="-128"/>
               </a:rPr>
               <a:t>";</a:t>
             </a:r>
-            <a:endParaRPr lang="nl-BE" altLang="nl-BE" sz="4400" dirty="0" smtClean="0"/>
+            <a:endParaRPr lang="nl-BE" altLang="nl-BE" sz="4400" dirty="0"/>
           </a:p>
           <a:p>
             <a:pPr marL="0" indent="0" eaLnBrk="0" fontAlgn="base" hangingPunct="0">
@@ -7389,66 +7199,66 @@
               <a:buNone/>
             </a:pPr>
             <a:r>
-              <a:rPr lang="nl-BE" altLang="nl-BE" dirty="0" smtClean="0">
+              <a:rPr lang="nl-BE" altLang="nl-BE" dirty="0">
                 <a:latin typeface="Arial Unicode MS" panose="020B0604020202020204" pitchFamily="34" charset="-128"/>
               </a:rPr>
               <a:t>	</a:t>
             </a:r>
             <a:r>
-              <a:rPr lang="nl-BE" altLang="nl-BE" dirty="0" err="1" smtClean="0">
+              <a:rPr lang="nl-BE" altLang="nl-BE" dirty="0" err="1">
                 <a:latin typeface="Arial Unicode MS" panose="020B0604020202020204" pitchFamily="34" charset="-128"/>
               </a:rPr>
               <a:t>Animal</a:t>
             </a:r>
             <a:r>
-              <a:rPr lang="nl-BE" altLang="nl-BE" dirty="0" smtClean="0">
+              <a:rPr lang="nl-BE" altLang="nl-BE" dirty="0">
                 <a:latin typeface="Arial Unicode MS" panose="020B0604020202020204" pitchFamily="34" charset="-128"/>
               </a:rPr>
               <a:t> ==</a:t>
             </a:r>
             <a:r>
-              <a:rPr lang="nl-BE" altLang="nl-BE" sz="4400" dirty="0" smtClean="0"/>
+              <a:rPr lang="nl-BE" altLang="nl-BE" sz="4400" dirty="0"/>
               <a:t> </a:t>
             </a:r>
             <a:r>
-              <a:rPr lang="nl-BE" altLang="nl-BE" dirty="0" smtClean="0">
+              <a:rPr lang="nl-BE" altLang="nl-BE" dirty="0">
                 <a:latin typeface="Arial Unicode MS" panose="020B0604020202020204" pitchFamily="34" charset="-128"/>
               </a:rPr>
               <a:t>beef</a:t>
             </a:r>
             <a:r>
-              <a:rPr lang="nl-BE" altLang="nl-BE" sz="4400" dirty="0" smtClean="0"/>
+              <a:rPr lang="nl-BE" altLang="nl-BE" sz="4400" dirty="0"/>
               <a:t> </a:t>
             </a:r>
             <a:r>
-              <a:rPr lang="nl-BE" altLang="nl-BE" dirty="0" smtClean="0">
+              <a:rPr lang="nl-BE" altLang="nl-BE" dirty="0">
                 <a:latin typeface="Arial Unicode MS" panose="020B0604020202020204" pitchFamily="34" charset="-128"/>
               </a:rPr>
               <a:t>-&gt;</a:t>
             </a:r>
             <a:r>
-              <a:rPr lang="nl-BE" altLang="nl-BE" sz="4400" dirty="0" smtClean="0"/>
+              <a:rPr lang="nl-BE" altLang="nl-BE" sz="4400" dirty="0"/>
               <a:t> </a:t>
             </a:r>
             <a:r>
-              <a:rPr lang="nl-BE" altLang="nl-BE" dirty="0" smtClean="0">
+              <a:rPr lang="nl-BE" altLang="nl-BE" dirty="0">
                 <a:latin typeface="Arial Unicode MS" panose="020B0604020202020204" pitchFamily="34" charset="-128"/>
               </a:rPr>
               <a:t>"</a:t>
             </a:r>
             <a:r>
-              <a:rPr lang="nl-BE" altLang="nl-BE" dirty="0" err="1" smtClean="0">
+              <a:rPr lang="nl-BE" altLang="nl-BE" dirty="0" err="1">
                 <a:latin typeface="Arial Unicode MS" panose="020B0604020202020204" pitchFamily="34" charset="-128"/>
               </a:rPr>
               <a:t>mooo</a:t>
             </a:r>
             <a:r>
-              <a:rPr lang="nl-BE" altLang="nl-BE" dirty="0" smtClean="0">
+              <a:rPr lang="nl-BE" altLang="nl-BE" dirty="0">
                 <a:latin typeface="Arial Unicode MS" panose="020B0604020202020204" pitchFamily="34" charset="-128"/>
               </a:rPr>
               <a:t>";</a:t>
             </a:r>
-            <a:endParaRPr lang="nl-BE" altLang="nl-BE" sz="4400" dirty="0" smtClean="0"/>
+            <a:endParaRPr lang="nl-BE" altLang="nl-BE" sz="4400" dirty="0"/>
           </a:p>
           <a:p>
             <a:pPr marL="0" indent="0" eaLnBrk="0" fontAlgn="base" hangingPunct="0">
@@ -7465,54 +7275,54 @@
               <a:buNone/>
             </a:pPr>
             <a:r>
-              <a:rPr lang="nl-BE" altLang="nl-BE" dirty="0" smtClean="0">
+              <a:rPr lang="nl-BE" altLang="nl-BE" dirty="0">
                 <a:latin typeface="Arial Unicode MS" panose="020B0604020202020204" pitchFamily="34" charset="-128"/>
               </a:rPr>
               <a:t>	</a:t>
             </a:r>
             <a:r>
-              <a:rPr lang="nl-BE" altLang="nl-BE" dirty="0" err="1" smtClean="0">
+              <a:rPr lang="nl-BE" altLang="nl-BE" dirty="0" err="1">
                 <a:latin typeface="Arial Unicode MS" panose="020B0604020202020204" pitchFamily="34" charset="-128"/>
               </a:rPr>
               <a:t>Animal</a:t>
             </a:r>
             <a:r>
-              <a:rPr lang="nl-BE" altLang="nl-BE" dirty="0" smtClean="0">
+              <a:rPr lang="nl-BE" altLang="nl-BE" dirty="0">
                 <a:latin typeface="Arial Unicode MS" panose="020B0604020202020204" pitchFamily="34" charset="-128"/>
               </a:rPr>
               <a:t> ==</a:t>
             </a:r>
             <a:r>
-              <a:rPr lang="nl-BE" altLang="nl-BE" sz="4400" dirty="0" smtClean="0"/>
+              <a:rPr lang="nl-BE" altLang="nl-BE" sz="4400" dirty="0"/>
               <a:t> </a:t>
             </a:r>
             <a:r>
-              <a:rPr lang="nl-BE" altLang="nl-BE" dirty="0" smtClean="0">
+              <a:rPr lang="nl-BE" altLang="nl-BE" dirty="0">
                 <a:latin typeface="Arial Unicode MS" panose="020B0604020202020204" pitchFamily="34" charset="-128"/>
               </a:rPr>
               <a:t>dog</a:t>
             </a:r>
             <a:r>
-              <a:rPr lang="nl-BE" altLang="nl-BE" sz="4400" dirty="0" smtClean="0"/>
+              <a:rPr lang="nl-BE" altLang="nl-BE" sz="4400" dirty="0"/>
               <a:t>  </a:t>
             </a:r>
             <a:r>
-              <a:rPr lang="nl-BE" altLang="nl-BE" dirty="0" smtClean="0">
+              <a:rPr lang="nl-BE" altLang="nl-BE" dirty="0">
                 <a:latin typeface="Arial Unicode MS" panose="020B0604020202020204" pitchFamily="34" charset="-128"/>
               </a:rPr>
               <a:t>-&gt;</a:t>
             </a:r>
             <a:r>
-              <a:rPr lang="nl-BE" altLang="nl-BE" sz="4400" dirty="0" smtClean="0"/>
+              <a:rPr lang="nl-BE" altLang="nl-BE" sz="4400" dirty="0"/>
               <a:t> </a:t>
             </a:r>
             <a:r>
-              <a:rPr lang="nl-BE" altLang="nl-BE" dirty="0" smtClean="0">
+              <a:rPr lang="nl-BE" altLang="nl-BE" dirty="0">
                 <a:latin typeface="Arial Unicode MS" panose="020B0604020202020204" pitchFamily="34" charset="-128"/>
               </a:rPr>
               <a:t>"bark";</a:t>
             </a:r>
-            <a:endParaRPr lang="nl-BE" altLang="nl-BE" sz="4400" dirty="0" smtClean="0"/>
+            <a:endParaRPr lang="nl-BE" altLang="nl-BE" sz="4400" dirty="0"/>
           </a:p>
           <a:p>
             <a:pPr marL="0" indent="0" eaLnBrk="0" fontAlgn="base" hangingPunct="0">
@@ -7529,54 +7339,54 @@
               <a:buNone/>
             </a:pPr>
             <a:r>
-              <a:rPr lang="nl-BE" altLang="nl-BE" dirty="0" smtClean="0">
+              <a:rPr lang="nl-BE" altLang="nl-BE" dirty="0">
                 <a:latin typeface="Arial Unicode MS" panose="020B0604020202020204" pitchFamily="34" charset="-128"/>
               </a:rPr>
               <a:t>	</a:t>
             </a:r>
             <a:r>
-              <a:rPr lang="nl-BE" altLang="nl-BE" dirty="0" err="1" smtClean="0">
+              <a:rPr lang="nl-BE" altLang="nl-BE" dirty="0" err="1">
                 <a:latin typeface="Arial Unicode MS" panose="020B0604020202020204" pitchFamily="34" charset="-128"/>
               </a:rPr>
               <a:t>Animal</a:t>
             </a:r>
             <a:r>
-              <a:rPr lang="nl-BE" altLang="nl-BE" dirty="0" smtClean="0">
+              <a:rPr lang="nl-BE" altLang="nl-BE" dirty="0">
                 <a:latin typeface="Arial Unicode MS" panose="020B0604020202020204" pitchFamily="34" charset="-128"/>
               </a:rPr>
               <a:t> ==</a:t>
             </a:r>
             <a:r>
-              <a:rPr lang="nl-BE" altLang="nl-BE" sz="4400" dirty="0" smtClean="0"/>
+              <a:rPr lang="nl-BE" altLang="nl-BE" sz="4400" dirty="0"/>
               <a:t> </a:t>
             </a:r>
             <a:r>
-              <a:rPr lang="nl-BE" altLang="nl-BE" dirty="0" smtClean="0">
+              <a:rPr lang="nl-BE" altLang="nl-BE" dirty="0">
                 <a:latin typeface="Arial Unicode MS" panose="020B0604020202020204" pitchFamily="34" charset="-128"/>
               </a:rPr>
               <a:t>tree</a:t>
             </a:r>
             <a:r>
-              <a:rPr lang="nl-BE" altLang="nl-BE" sz="4400" dirty="0" smtClean="0"/>
+              <a:rPr lang="nl-BE" altLang="nl-BE" sz="4400" dirty="0"/>
               <a:t> </a:t>
             </a:r>
             <a:r>
-              <a:rPr lang="nl-BE" altLang="nl-BE" dirty="0" smtClean="0">
+              <a:rPr lang="nl-BE" altLang="nl-BE" dirty="0">
                 <a:latin typeface="Arial Unicode MS" panose="020B0604020202020204" pitchFamily="34" charset="-128"/>
               </a:rPr>
               <a:t>-&gt;</a:t>
             </a:r>
             <a:r>
-              <a:rPr lang="nl-BE" altLang="nl-BE" sz="4400" dirty="0" smtClean="0"/>
+              <a:rPr lang="nl-BE" altLang="nl-BE" sz="4400" dirty="0"/>
               <a:t> </a:t>
             </a:r>
             <a:r>
-              <a:rPr lang="nl-BE" altLang="nl-BE" dirty="0" smtClean="0">
+              <a:rPr lang="nl-BE" altLang="nl-BE" dirty="0">
                 <a:latin typeface="Arial Unicode MS" panose="020B0604020202020204" pitchFamily="34" charset="-128"/>
               </a:rPr>
               <a:t>"bark";</a:t>
             </a:r>
-            <a:endParaRPr lang="nl-BE" altLang="nl-BE" sz="4400" dirty="0" smtClean="0"/>
+            <a:endParaRPr lang="nl-BE" altLang="nl-BE" sz="4400" dirty="0"/>
           </a:p>
           <a:p>
             <a:pPr marL="0" indent="0" eaLnBrk="0" fontAlgn="base" hangingPunct="0">
@@ -7593,50 +7403,50 @@
               <a:buNone/>
             </a:pPr>
             <a:r>
-              <a:rPr lang="nl-BE" altLang="nl-BE" dirty="0" smtClean="0">
+              <a:rPr lang="nl-BE" altLang="nl-BE" dirty="0">
                 <a:latin typeface="Arial Unicode MS" panose="020B0604020202020204" pitchFamily="34" charset="-128"/>
               </a:rPr>
               <a:t>	</a:t>
             </a:r>
             <a:r>
-              <a:rPr lang="nl-BE" altLang="nl-BE" dirty="0" err="1" smtClean="0">
+              <a:rPr lang="nl-BE" altLang="nl-BE" dirty="0" err="1">
                 <a:latin typeface="Arial Unicode MS" panose="020B0604020202020204" pitchFamily="34" charset="-128"/>
               </a:rPr>
               <a:t>true</a:t>
             </a:r>
             <a:r>
-              <a:rPr lang="nl-BE" altLang="nl-BE" sz="4400" dirty="0" smtClean="0"/>
+              <a:rPr lang="nl-BE" altLang="nl-BE" sz="4400" dirty="0"/>
               <a:t> </a:t>
             </a:r>
             <a:r>
-              <a:rPr lang="nl-BE" altLang="nl-BE" dirty="0" smtClean="0">
+              <a:rPr lang="nl-BE" altLang="nl-BE" dirty="0">
                 <a:latin typeface="Arial Unicode MS" panose="020B0604020202020204" pitchFamily="34" charset="-128"/>
               </a:rPr>
               <a:t>-&gt;</a:t>
             </a:r>
             <a:r>
-              <a:rPr lang="nl-BE" altLang="nl-BE" sz="4400" dirty="0" smtClean="0"/>
+              <a:rPr lang="nl-BE" altLang="nl-BE" sz="4400" dirty="0"/>
               <a:t> </a:t>
             </a:r>
             <a:r>
-              <a:rPr lang="nl-BE" altLang="nl-BE" dirty="0" smtClean="0">
+              <a:rPr lang="nl-BE" altLang="nl-BE" dirty="0">
                 <a:latin typeface="Arial Unicode MS" panose="020B0604020202020204" pitchFamily="34" charset="-128"/>
               </a:rPr>
               <a:t>"</a:t>
             </a:r>
             <a:r>
-              <a:rPr lang="nl-BE" altLang="nl-BE" dirty="0" err="1" smtClean="0">
+              <a:rPr lang="nl-BE" altLang="nl-BE" dirty="0" err="1">
                 <a:latin typeface="Arial Unicode MS" panose="020B0604020202020204" pitchFamily="34" charset="-128"/>
               </a:rPr>
               <a:t>fgdadfgna</a:t>
             </a:r>
             <a:r>
-              <a:rPr lang="nl-BE" altLang="nl-BE" dirty="0" smtClean="0">
+              <a:rPr lang="nl-BE" altLang="nl-BE" dirty="0">
                 <a:latin typeface="Arial Unicode MS" panose="020B0604020202020204" pitchFamily="34" charset="-128"/>
               </a:rPr>
               <a:t>"</a:t>
             </a:r>
-            <a:endParaRPr lang="nl-BE" altLang="nl-BE" sz="4400" dirty="0" smtClean="0"/>
+            <a:endParaRPr lang="nl-BE" altLang="nl-BE" sz="4400" dirty="0"/>
           </a:p>
           <a:p>
             <a:pPr marL="0" indent="0" eaLnBrk="0" fontAlgn="base" hangingPunct="0">
@@ -7653,12 +7463,12 @@
               <a:buNone/>
             </a:pPr>
             <a:r>
-              <a:rPr lang="nl-BE" altLang="nl-BE" dirty="0" smtClean="0">
+              <a:rPr lang="nl-BE" altLang="nl-BE" dirty="0">
                 <a:latin typeface="Arial Unicode MS" panose="020B0604020202020204" pitchFamily="34" charset="-128"/>
               </a:rPr>
               <a:t>end.</a:t>
             </a:r>
-            <a:endParaRPr lang="nl-BE" altLang="nl-BE" sz="4400" dirty="0" smtClean="0"/>
+            <a:endParaRPr lang="nl-BE" altLang="nl-BE" sz="4400" dirty="0"/>
           </a:p>
           <a:p>
             <a:pPr marL="0" indent="0" eaLnBrk="0" fontAlgn="base" hangingPunct="0">
@@ -7674,7 +7484,7 @@
               <a:buFont typeface="Arial" panose="020B0604020202020204" pitchFamily="34" charset="0"/>
               <a:buNone/>
             </a:pPr>
-            <a:endParaRPr lang="nl-BE" altLang="nl-BE" sz="5400" dirty="0" smtClean="0">
+            <a:endParaRPr lang="nl-BE" altLang="nl-BE" sz="5400" dirty="0">
               <a:latin typeface="Arial" panose="020B0604020202020204" pitchFamily="34" charset="0"/>
             </a:endParaRPr>
           </a:p>
@@ -7706,7 +7516,7 @@
           <a:lstStyle/>
           <a:p>
             <a:r>
-              <a:rPr lang="nl-BE" sz="2400" b="1" dirty="0" smtClean="0">
+              <a:rPr lang="nl-BE" sz="2400" b="1" dirty="0">
                 <a:solidFill>
                   <a:srgbClr val="FF0000"/>
                 </a:solidFill>
@@ -7714,76 +7524,63 @@
               <a:t>Schijnbaar equivalent, maar </a:t>
             </a:r>
             <a:r>
-              <a:rPr lang="nl-BE" sz="2400" dirty="0" err="1" smtClean="0">
+              <a:rPr lang="nl-BE" sz="2400" dirty="0" err="1">
                 <a:solidFill>
                   <a:srgbClr val="FF0000"/>
                 </a:solidFill>
               </a:rPr>
               <a:t>if</a:t>
             </a:r>
-            <a:r>
-              <a:rPr lang="nl-BE" sz="2400" dirty="0" smtClean="0">
-                <a:solidFill>
-                  <a:srgbClr val="FF0000"/>
-                </a:solidFill>
-              </a:rPr>
-              <a:t> heeft gewoon lijst expressies die </a:t>
-            </a:r>
-            <a:r>
-              <a:rPr lang="nl-BE" sz="2400" dirty="0" err="1" smtClean="0">
-                <a:solidFill>
-                  <a:srgbClr val="FF0000"/>
-                </a:solidFill>
-              </a:rPr>
-              <a:t>true</a:t>
-            </a:r>
-            <a:r>
-              <a:rPr lang="nl-BE" sz="2400" dirty="0" smtClean="0">
-                <a:solidFill>
-                  <a:srgbClr val="FF0000"/>
-                </a:solidFill>
-              </a:rPr>
-              <a:t> of </a:t>
-            </a:r>
-            <a:r>
-              <a:rPr lang="nl-BE" sz="2400" dirty="0" err="1" smtClean="0">
-                <a:solidFill>
-                  <a:srgbClr val="FF0000"/>
-                </a:solidFill>
-              </a:rPr>
-              <a:t>false</a:t>
-            </a:r>
-            <a:r>
-              <a:rPr lang="nl-BE" sz="2400" dirty="0" smtClean="0">
-                <a:solidFill>
-                  <a:srgbClr val="FF0000"/>
-                </a:solidFill>
-              </a:rPr>
-              <a:t> moeten zijn,</a:t>
-            </a:r>
-          </a:p>
-          <a:p>
             <a:r>
               <a:rPr lang="nl-BE" sz="2400" dirty="0">
                 <a:solidFill>
                   <a:srgbClr val="FF0000"/>
                 </a:solidFill>
               </a:rPr>
-              <a:t>t</a:t>
-            </a:r>
-            <a:r>
-              <a:rPr lang="nl-BE" sz="2400" dirty="0" smtClean="0">
+              <a:t> heeft gewoon lijst expressies die </a:t>
+            </a:r>
+            <a:r>
+              <a:rPr lang="nl-BE" sz="2400" dirty="0" err="1">
                 <a:solidFill>
                   <a:srgbClr val="FF0000"/>
                 </a:solidFill>
               </a:rPr>
-              <a:t>erwijl case enkel kan vergelijken met waarde.</a:t>
-            </a:r>
-            <a:endParaRPr lang="nl-BE" sz="2400" dirty="0">
-              <a:solidFill>
-                <a:srgbClr val="FF0000"/>
-              </a:solidFill>
-            </a:endParaRPr>
+              <a:t>true</a:t>
+            </a:r>
+            <a:r>
+              <a:rPr lang="nl-BE" sz="2400" dirty="0">
+                <a:solidFill>
+                  <a:srgbClr val="FF0000"/>
+                </a:solidFill>
+              </a:rPr>
+              <a:t> of </a:t>
+            </a:r>
+            <a:r>
+              <a:rPr lang="nl-BE" sz="2400" dirty="0" err="1">
+                <a:solidFill>
+                  <a:srgbClr val="FF0000"/>
+                </a:solidFill>
+              </a:rPr>
+              <a:t>false</a:t>
+            </a:r>
+            <a:r>
+              <a:rPr lang="nl-BE" sz="2400" dirty="0">
+                <a:solidFill>
+                  <a:srgbClr val="FF0000"/>
+                </a:solidFill>
+              </a:rPr>
+              <a:t> moeten zijn,</a:t>
+            </a:r>
+          </a:p>
+          <a:p>
+            <a:r>
+              <a:rPr lang="nl-BE" sz="2400" dirty="0">
+                <a:solidFill>
+                  <a:srgbClr val="FF0000"/>
+                </a:solidFill>
+              </a:rPr>
+              <a:t>terwijl case enkel kan vergelijken met waarde.</a:t>
+            </a:r>
           </a:p>
         </p:txBody>
       </p:sp>
@@ -7838,7 +7635,7 @@
           <a:lstStyle/>
           <a:p>
             <a:r>
-              <a:rPr lang="nl-BE" altLang="nl-BE" dirty="0" smtClean="0">
+              <a:rPr lang="nl-BE" altLang="nl-BE" dirty="0">
                 <a:solidFill>
                   <a:srgbClr val="FF0000"/>
                 </a:solidFill>
@@ -8005,13 +7802,6 @@
   <p:clrMapOvr>
     <a:masterClrMapping/>
   </p:clrMapOvr>
-  <p:timing>
-    <p:tnLst>
-      <p:par>
-        <p:cTn id="1" dur="indefinite" restart="never" nodeType="tmRoot"/>
-      </p:par>
-    </p:tnLst>
-  </p:timing>
 </p:sld>
 </file>
 
@@ -8048,7 +7838,7 @@
           <a:lstStyle/>
           <a:p>
             <a:r>
-              <a:rPr lang="nl-BE" altLang="nl-BE" dirty="0" smtClean="0"/>
+              <a:rPr lang="nl-BE" altLang="nl-BE" dirty="0"/>
               <a:t>Functies met getallen</a:t>
             </a:r>
           </a:p>
@@ -8070,99 +7860,99 @@
           <a:lstStyle/>
           <a:p>
             <a:r>
-              <a:rPr lang="nl-BE" altLang="nl-BE" dirty="0" smtClean="0"/>
+              <a:rPr lang="nl-BE" altLang="nl-BE" dirty="0"/>
               <a:t>Zelfde principes</a:t>
             </a:r>
           </a:p>
           <a:p>
             <a:pPr lvl="1"/>
             <a:r>
-              <a:rPr lang="nl-BE" altLang="nl-BE" dirty="0" smtClean="0"/>
+              <a:rPr lang="nl-BE" altLang="nl-BE" dirty="0"/>
               <a:t>Alles is een waarde</a:t>
             </a:r>
           </a:p>
           <a:p>
             <a:pPr lvl="1"/>
             <a:r>
-              <a:rPr lang="nl-BE" altLang="nl-BE" dirty="0" err="1" smtClean="0"/>
+              <a:rPr lang="nl-BE" altLang="nl-BE" dirty="0" err="1"/>
               <a:t>Pattern</a:t>
             </a:r>
             <a:r>
-              <a:rPr lang="nl-BE" altLang="nl-BE" dirty="0" smtClean="0"/>
+              <a:rPr lang="nl-BE" altLang="nl-BE" dirty="0"/>
               <a:t> matching</a:t>
             </a:r>
           </a:p>
           <a:p>
             <a:pPr lvl="1"/>
             <a:r>
-              <a:rPr lang="nl-BE" altLang="nl-BE" dirty="0" smtClean="0"/>
+              <a:rPr lang="nl-BE" altLang="nl-BE" dirty="0"/>
               <a:t>Recursief denken </a:t>
             </a:r>
           </a:p>
           <a:p>
             <a:pPr lvl="2"/>
             <a:r>
-              <a:rPr lang="nl-BE" altLang="nl-BE" dirty="0" smtClean="0"/>
+              <a:rPr lang="nl-BE" altLang="nl-BE" dirty="0"/>
               <a:t>Probleem oplossen door te herleiden naar een probleem van kleinere omvang</a:t>
             </a:r>
           </a:p>
           <a:p>
             <a:pPr lvl="2"/>
             <a:r>
-              <a:rPr lang="nl-BE" altLang="nl-BE" dirty="0" smtClean="0"/>
+              <a:rPr lang="nl-BE" altLang="nl-BE" dirty="0"/>
               <a:t>Bij lijsten was dit -&gt; kortere lijst</a:t>
             </a:r>
           </a:p>
           <a:p>
             <a:pPr lvl="2"/>
             <a:r>
-              <a:rPr lang="nl-BE" altLang="nl-BE" dirty="0" smtClean="0"/>
+              <a:rPr lang="nl-BE" altLang="nl-BE" dirty="0"/>
               <a:t>Bij getallen wordt -&gt; kleinere getallen</a:t>
             </a:r>
           </a:p>
           <a:p>
             <a:pPr lvl="2"/>
             <a:r>
-              <a:rPr lang="nl-BE" altLang="nl-BE" dirty="0" smtClean="0"/>
+              <a:rPr lang="nl-BE" altLang="nl-BE" dirty="0"/>
               <a:t>Kan ook helpen “denk in reeksen”</a:t>
             </a:r>
           </a:p>
           <a:p>
             <a:pPr lvl="3" eaLnBrk="1" hangingPunct="1"/>
             <a:r>
-              <a:rPr lang="nl-BE" altLang="nl-BE" dirty="0" smtClean="0"/>
+              <a:rPr lang="nl-BE" altLang="nl-BE" dirty="0"/>
               <a:t>Som van alle getallen van 1 tot n = n + som van alle getallen van 1 tot n-1</a:t>
             </a:r>
           </a:p>
           <a:p>
             <a:pPr lvl="3" eaLnBrk="1" hangingPunct="1"/>
             <a:r>
-              <a:rPr lang="nl-BE" altLang="nl-BE" dirty="0" smtClean="0"/>
+              <a:rPr lang="nl-BE" altLang="nl-BE" dirty="0"/>
               <a:t>n! = n * (n-1)!</a:t>
             </a:r>
           </a:p>
           <a:p>
             <a:pPr lvl="2"/>
             <a:r>
-              <a:rPr lang="nl-BE" altLang="nl-BE" dirty="0" smtClean="0"/>
+              <a:rPr lang="nl-BE" altLang="nl-BE" dirty="0"/>
               <a:t>Vergeet het ‘triviaal geval’ niet: 0 of 1, bv. som(0) -&gt; 0, </a:t>
             </a:r>
             <a:r>
-              <a:rPr lang="nl-BE" altLang="nl-BE" dirty="0" err="1" smtClean="0"/>
+              <a:rPr lang="nl-BE" altLang="nl-BE" dirty="0" err="1"/>
               <a:t>fac</a:t>
             </a:r>
             <a:r>
-              <a:rPr lang="nl-BE" altLang="nl-BE" dirty="0" smtClean="0"/>
+              <a:rPr lang="nl-BE" altLang="nl-BE" dirty="0"/>
               <a:t>(1) -&gt; 1, …</a:t>
             </a:r>
           </a:p>
           <a:p>
             <a:pPr lvl="3"/>
-            <a:endParaRPr lang="nl-BE" altLang="nl-BE" dirty="0" smtClean="0"/>
+            <a:endParaRPr lang="nl-BE" altLang="nl-BE" dirty="0"/>
           </a:p>
           <a:p>
             <a:pPr lvl="2"/>
-            <a:endParaRPr lang="nl-BE" altLang="nl-BE" dirty="0" smtClean="0"/>
+            <a:endParaRPr lang="nl-BE" altLang="nl-BE" dirty="0"/>
           </a:p>
         </p:txBody>
       </p:sp>
@@ -8176,13 +7966,6 @@
   <p:clrMapOvr>
     <a:masterClrMapping/>
   </p:clrMapOvr>
-  <p:timing>
-    <p:tnLst>
-      <p:par>
-        <p:cTn id="1" dur="indefinite" restart="never" nodeType="tmRoot"/>
-      </p:par>
-    </p:tnLst>
-  </p:timing>
 </p:sld>
 </file>
 
@@ -8219,7 +8002,7 @@
           <a:lstStyle/>
           <a:p>
             <a:r>
-              <a:rPr lang="nl-BE" altLang="nl-BE" smtClean="0">
+              <a:rPr lang="nl-BE" altLang="nl-BE">
                 <a:solidFill>
                   <a:srgbClr val="FF0000"/>
                 </a:solidFill>
@@ -8252,11 +8035,11 @@
               <a:defRPr/>
             </a:pPr>
             <a:r>
-              <a:rPr lang="nl-BE" dirty="0" err="1" smtClean="0"/>
+              <a:rPr lang="nl-BE" dirty="0" err="1"/>
               <a:t>Fac</a:t>
             </a:r>
             <a:r>
-              <a:rPr lang="nl-BE" dirty="0" smtClean="0"/>
+              <a:rPr lang="nl-BE" dirty="0"/>
               <a:t> </a:t>
             </a:r>
           </a:p>
@@ -8267,11 +8050,11 @@
               <a:defRPr/>
             </a:pPr>
             <a:r>
-              <a:rPr lang="nl-BE" dirty="0" err="1" smtClean="0"/>
+              <a:rPr lang="nl-BE" dirty="0" err="1"/>
               <a:t>Hermitische</a:t>
             </a:r>
             <a:r>
-              <a:rPr lang="nl-BE" dirty="0" smtClean="0"/>
+              <a:rPr lang="nl-BE" dirty="0"/>
               <a:t> som 1/n + 1/(n-1)+…1/2+1/1</a:t>
             </a:r>
           </a:p>
@@ -8282,7 +8065,7 @@
               <a:defRPr/>
             </a:pPr>
             <a:r>
-              <a:rPr lang="nl-BE" dirty="0" smtClean="0"/>
+              <a:rPr lang="nl-BE" dirty="0"/>
               <a:t>Mysterieuze functies</a:t>
             </a:r>
           </a:p>
@@ -8291,16 +8074,8 @@
               <a:defRPr/>
             </a:pPr>
             <a:r>
-              <a:rPr lang="nl-BE" dirty="0" smtClean="0"/>
-              <a:t>tel het aantal stappen om van </a:t>
-            </a:r>
-            <a:r>
               <a:rPr lang="nl-BE" dirty="0"/>
-              <a:t>n</a:t>
-            </a:r>
-            <a:r>
-              <a:rPr lang="nl-BE" dirty="0" smtClean="0"/>
-              <a:t> tot 1 te gaan met volgende reducties  </a:t>
+              <a:t>tel het aantal stappen om van n tot 1 te gaan met volgende reducties  </a:t>
             </a:r>
           </a:p>
           <a:p>
@@ -8308,7 +8083,7 @@
               <a:defRPr/>
             </a:pPr>
             <a:r>
-              <a:rPr lang="nl-BE" dirty="0" smtClean="0"/>
+              <a:rPr lang="nl-BE" dirty="0"/>
               <a:t>N even =&gt; n/2</a:t>
             </a:r>
           </a:p>
@@ -8317,7 +8092,7 @@
               <a:defRPr/>
             </a:pPr>
             <a:r>
-              <a:rPr lang="nl-BE" dirty="0" smtClean="0"/>
+              <a:rPr lang="nl-BE" dirty="0"/>
               <a:t>N oneven =&gt; 3n+1</a:t>
             </a:r>
           </a:p>
@@ -8326,22 +8101,22 @@
               <a:defRPr/>
             </a:pPr>
             <a:r>
-              <a:rPr lang="nl-BE" i="1" dirty="0" smtClean="0"/>
+              <a:rPr lang="nl-BE" i="1" dirty="0"/>
               <a:t>Tip: gebruik </a:t>
             </a:r>
             <a:r>
-              <a:rPr lang="nl-BE" dirty="0" smtClean="0"/>
+              <a:rPr lang="nl-BE" dirty="0"/>
               <a:t>rem </a:t>
             </a:r>
             <a:r>
-              <a:rPr lang="nl-BE" i="1" dirty="0" smtClean="0"/>
+              <a:rPr lang="nl-BE" i="1" dirty="0"/>
               <a:t>en </a:t>
             </a:r>
             <a:r>
-              <a:rPr lang="nl-BE" dirty="0" smtClean="0"/>
+              <a:rPr lang="nl-BE" dirty="0"/>
               <a:t>div (bv. 19 rem 4 -&gt; 3)</a:t>
             </a:r>
-            <a:endParaRPr lang="nl-BE" i="1" dirty="0" smtClean="0"/>
+            <a:endParaRPr lang="nl-BE" i="1" dirty="0"/>
           </a:p>
           <a:p>
             <a:pPr marL="514350" indent="-514350">
@@ -8350,11 +8125,11 @@
               <a:defRPr/>
             </a:pPr>
             <a:r>
-              <a:rPr lang="nl-BE" dirty="0" err="1" smtClean="0"/>
+              <a:rPr lang="nl-BE" dirty="0" err="1"/>
               <a:t>aantalDelers</a:t>
             </a:r>
             <a:r>
-              <a:rPr lang="nl-BE" dirty="0" smtClean="0"/>
+              <a:rPr lang="nl-BE" dirty="0"/>
               <a:t> van een getal</a:t>
             </a:r>
           </a:p>
@@ -8363,15 +8138,15 @@
               <a:defRPr/>
             </a:pPr>
             <a:r>
-              <a:rPr lang="nl-BE" i="1" dirty="0" smtClean="0"/>
+              <a:rPr lang="nl-BE" i="1" dirty="0"/>
               <a:t>Tip: gebruik een hulpfunctie </a:t>
             </a:r>
             <a:r>
-              <a:rPr lang="nl-BE" i="1" dirty="0" err="1" smtClean="0"/>
+              <a:rPr lang="nl-BE" i="1" dirty="0" err="1"/>
               <a:t>aantalDelersVanaf</a:t>
             </a:r>
             <a:r>
-              <a:rPr lang="nl-BE" i="1" dirty="0" smtClean="0"/>
+              <a:rPr lang="nl-BE" i="1" dirty="0"/>
               <a:t> met 2 parameters</a:t>
             </a:r>
           </a:p>
@@ -8382,17 +8157,17 @@
               <a:defRPr/>
             </a:pPr>
             <a:r>
-              <a:rPr lang="nl-BE" dirty="0" err="1" smtClean="0"/>
+              <a:rPr lang="nl-BE" dirty="0" err="1"/>
               <a:t>isPriem</a:t>
             </a:r>
-            <a:endParaRPr lang="nl-BE" dirty="0" smtClean="0"/>
+            <a:endParaRPr lang="nl-BE" dirty="0"/>
           </a:p>
           <a:p>
             <a:pPr lvl="1">
               <a:defRPr/>
             </a:pPr>
             <a:r>
-              <a:rPr lang="nl-BE" i="1" dirty="0" smtClean="0"/>
+              <a:rPr lang="nl-BE" i="1" dirty="0"/>
               <a:t>Tip: gebruik de vorige functie</a:t>
             </a:r>
           </a:p>
@@ -8414,13 +8189,6 @@
   <p:clrMapOvr>
     <a:masterClrMapping/>
   </p:clrMapOvr>
-  <p:timing>
-    <p:tnLst>
-      <p:par>
-        <p:cTn id="1" dur="indefinite" restart="never" nodeType="tmRoot"/>
-      </p:par>
-    </p:tnLst>
-  </p:timing>
 </p:sld>
 </file>
 
@@ -8505,15 +8273,11 @@
           <a:lstStyle/>
           <a:p>
             <a:pPr eaLnBrk="1" hangingPunct="1"/>
-            <a:r>
-              <a:rPr lang="nl-BE" altLang="nl-BE" smtClean="0"/>
-              <a:t/>
-            </a:r>
             <a:br>
-              <a:rPr lang="nl-BE" altLang="nl-BE" smtClean="0"/>
+              <a:rPr lang="nl-BE" altLang="nl-BE"/>
             </a:br>
             <a:r>
-              <a:rPr lang="nl-BE" altLang="nl-BE" smtClean="0"/>
+              <a:rPr lang="nl-BE" altLang="nl-BE"/>
               <a:t>Wat met hulpvariabelen?</a:t>
             </a:r>
           </a:p>
@@ -8623,68 +8387,65 @@
               <a:t> </a:t>
             </a:r>
             <a:r>
-              <a:rPr lang="fr-FR" altLang="nl-BE" sz="2000" dirty="0" err="1" smtClean="0">
+              <a:rPr lang="fr-FR" altLang="nl-BE" sz="2000" dirty="0" err="1">
                 <a:latin typeface="Berlin Sans FB" panose="020E0602020502020306" pitchFamily="34" charset="0"/>
               </a:rPr>
               <a:t>programmeren</a:t>
             </a:r>
             <a:r>
-              <a:rPr lang="fr-FR" altLang="nl-BE" sz="2000" dirty="0" smtClean="0">
+              <a:rPr lang="fr-FR" altLang="nl-BE" sz="2000" dirty="0">
                 <a:latin typeface="Berlin Sans FB" panose="020E0602020502020306" pitchFamily="34" charset="0"/>
               </a:rPr>
               <a:t> </a:t>
             </a:r>
             <a:r>
-              <a:rPr lang="fr-FR" altLang="nl-BE" sz="2000" dirty="0" err="1" smtClean="0">
+              <a:rPr lang="fr-FR" altLang="nl-BE" sz="2000" dirty="0" err="1">
                 <a:latin typeface="Berlin Sans FB" panose="020E0602020502020306" pitchFamily="34" charset="0"/>
               </a:rPr>
               <a:t>zijn</a:t>
             </a:r>
             <a:r>
-              <a:rPr lang="fr-FR" altLang="nl-BE" sz="2000" dirty="0" smtClean="0">
+              <a:rPr lang="fr-FR" altLang="nl-BE" sz="2000" dirty="0">
                 <a:latin typeface="Berlin Sans FB" panose="020E0602020502020306" pitchFamily="34" charset="0"/>
               </a:rPr>
               <a:t> die </a:t>
             </a:r>
             <a:r>
-              <a:rPr lang="fr-FR" altLang="nl-BE" sz="2000" dirty="0" err="1" smtClean="0">
+              <a:rPr lang="fr-FR" altLang="nl-BE" sz="2000" dirty="0" err="1">
                 <a:latin typeface="Berlin Sans FB" panose="020E0602020502020306" pitchFamily="34" charset="0"/>
               </a:rPr>
               <a:t>wel</a:t>
             </a:r>
             <a:r>
-              <a:rPr lang="fr-FR" altLang="nl-BE" sz="2000" dirty="0" smtClean="0">
+              <a:rPr lang="fr-FR" altLang="nl-BE" sz="2000" dirty="0">
                 <a:latin typeface="Berlin Sans FB" panose="020E0602020502020306" pitchFamily="34" charset="0"/>
               </a:rPr>
               <a:t> immutable (dus </a:t>
             </a:r>
             <a:r>
-              <a:rPr lang="fr-FR" altLang="nl-BE" sz="2000" dirty="0" err="1" smtClean="0">
+              <a:rPr lang="fr-FR" altLang="nl-BE" sz="2000" dirty="0" err="1">
                 <a:latin typeface="Berlin Sans FB" panose="020E0602020502020306" pitchFamily="34" charset="0"/>
               </a:rPr>
               <a:t>géén</a:t>
             </a:r>
             <a:r>
-              <a:rPr lang="fr-FR" altLang="nl-BE" sz="2000" dirty="0" smtClean="0">
+              <a:rPr lang="fr-FR" altLang="nl-BE" sz="2000" dirty="0">
                 <a:latin typeface="Berlin Sans FB" panose="020E0602020502020306" pitchFamily="34" charset="0"/>
               </a:rPr>
               <a:t> </a:t>
             </a:r>
             <a:r>
-              <a:rPr lang="fr-FR" altLang="nl-BE" sz="2000" dirty="0" err="1" smtClean="0">
+              <a:rPr lang="fr-FR" altLang="nl-BE" sz="2000" dirty="0" err="1">
                 <a:latin typeface="Berlin Sans FB" panose="020E0602020502020306" pitchFamily="34" charset="0"/>
               </a:rPr>
               <a:t>toekenning</a:t>
             </a:r>
             <a:r>
-              <a:rPr lang="fr-FR" altLang="nl-BE" sz="2000" dirty="0" smtClean="0">
+              <a:rPr lang="fr-FR" altLang="nl-BE" sz="2000" dirty="0">
                 <a:latin typeface="Berlin Sans FB" panose="020E0602020502020306" pitchFamily="34" charset="0"/>
               </a:rPr>
               <a:t> of updates)!</a:t>
             </a:r>
-            <a:endParaRPr lang="fr-FR" altLang="nl-BE" sz="2000" dirty="0">
-              <a:latin typeface="Berlin Sans FB" panose="020E0602020502020306" pitchFamily="34" charset="0"/>
-            </a:endParaRPr>
           </a:p>
           <a:p>
             <a:pPr eaLnBrk="1" hangingPunct="1">
@@ -9077,7 +8838,7 @@
           <a:p>
             <a:pPr eaLnBrk="1" hangingPunct="1"/>
             <a:r>
-              <a:rPr lang="nl-BE" altLang="nl-BE" smtClean="0"/>
+              <a:rPr lang="nl-BE" altLang="nl-BE"/>
               <a:t>Hulpvars “in  lus” : extra params</a:t>
             </a:r>
           </a:p>
@@ -9379,7 +9140,7 @@
               <a:t>L</a:t>
             </a:r>
             <a:r>
-              <a:rPr lang="nl-BE" sz="1800" b="1" smtClean="0">
+              <a:rPr lang="nl-BE" sz="1800" b="1">
                 <a:latin typeface="Courier New" panose="02070309020205020404" pitchFamily="49" charset="0"/>
                 <a:cs typeface="Courier New" panose="02070309020205020404" pitchFamily="49" charset="0"/>
               </a:rPr>
@@ -9455,13 +9216,6 @@
   <p:clrMapOvr>
     <a:masterClrMapping/>
   </p:clrMapOvr>
-  <p:timing>
-    <p:tnLst>
-      <p:par>
-        <p:cTn id="1" dur="indefinite" restart="never" nodeType="tmRoot"/>
-      </p:par>
-    </p:tnLst>
-  </p:timing>
 </p:sld>
 </file>
 
@@ -9498,7 +9252,7 @@
           <a:lstStyle/>
           <a:p>
             <a:r>
-              <a:rPr lang="nl-BE" altLang="nl-BE" smtClean="0"/>
+              <a:rPr lang="nl-BE" altLang="nl-BE"/>
               <a:t>Staart-recursie</a:t>
             </a:r>
           </a:p>
@@ -9525,26 +9279,26 @@
           <a:lstStyle/>
           <a:p>
             <a:r>
-              <a:rPr lang="nl-BE" altLang="nl-BE" smtClean="0"/>
+              <a:rPr lang="nl-BE" altLang="nl-BE"/>
               <a:t>Recursie is mooi, maar vreet stack</a:t>
             </a:r>
           </a:p>
           <a:p>
             <a:r>
-              <a:rPr lang="nl-BE" altLang="nl-BE" smtClean="0"/>
+              <a:rPr lang="nl-BE" altLang="nl-BE"/>
               <a:t>Want na recursieve oproep moet nog iets gebeuren</a:t>
             </a:r>
           </a:p>
           <a:p>
             <a:r>
-              <a:rPr lang="nl-BE" altLang="nl-BE" smtClean="0"/>
+              <a:rPr lang="nl-BE" altLang="nl-BE"/>
               <a:t>Beter = staart-recursie = recursie waarna niks meer moet gebeuren</a:t>
             </a:r>
           </a:p>
           <a:p>
             <a:pPr lvl="1"/>
             <a:r>
-              <a:rPr lang="nl-BE" altLang="nl-BE" smtClean="0"/>
+              <a:rPr lang="nl-BE" altLang="nl-BE"/>
               <a:t>Véél sneller</a:t>
             </a:r>
           </a:p>
@@ -9592,7 +9346,7 @@
               <a:buFont typeface="Wingdings" panose="05000000000000000000" pitchFamily="2" charset="2"/>
               <a:buNone/>
             </a:pPr>
-            <a:endParaRPr lang="nl-BE" altLang="nl-BE" smtClean="0"/>
+            <a:endParaRPr lang="nl-BE" altLang="nl-BE"/>
           </a:p>
         </p:txBody>
       </p:sp>
@@ -9958,7 +9712,7 @@
           <a:lstStyle/>
           <a:p>
             <a:r>
-              <a:rPr lang="nl-BE" altLang="nl-BE" smtClean="0">
+              <a:rPr lang="nl-BE" altLang="nl-BE">
                 <a:solidFill>
                   <a:srgbClr val="FF0000"/>
                 </a:solidFill>
@@ -9987,7 +9741,7 @@
               <a:defRPr/>
             </a:pPr>
             <a:r>
-              <a:rPr lang="nl-BE" altLang="nl-BE" dirty="0" smtClean="0"/>
+              <a:rPr lang="nl-BE" altLang="nl-BE" dirty="0"/>
               <a:t>Bereken het kleinste getal in een lijst</a:t>
             </a:r>
           </a:p>
@@ -9996,7 +9750,7 @@
               <a:defRPr/>
             </a:pPr>
             <a:r>
-              <a:rPr lang="nl-BE" altLang="nl-BE" dirty="0" smtClean="0"/>
+              <a:rPr lang="nl-BE" altLang="nl-BE" dirty="0"/>
               <a:t>Bereken de som van de getallen op de even posities in een lijst</a:t>
             </a:r>
           </a:p>
@@ -10005,7 +9759,7 @@
               <a:defRPr/>
             </a:pPr>
             <a:r>
-              <a:rPr lang="nl-BE" altLang="nl-BE" dirty="0" smtClean="0"/>
+              <a:rPr lang="nl-BE" altLang="nl-BE" dirty="0"/>
               <a:t>Zoek de waarde die het meeste voorkomt in een lijst</a:t>
             </a:r>
           </a:p>
@@ -10014,15 +9768,15 @@
               <a:defRPr/>
             </a:pPr>
             <a:r>
-              <a:rPr lang="nl-BE" altLang="nl-BE" dirty="0" smtClean="0"/>
+              <a:rPr lang="nl-BE" altLang="nl-BE" dirty="0"/>
               <a:t>Wissel de 1</a:t>
             </a:r>
             <a:r>
-              <a:rPr lang="nl-BE" altLang="nl-BE" baseline="30000" dirty="0" smtClean="0"/>
+              <a:rPr lang="nl-BE" altLang="nl-BE" baseline="30000" dirty="0"/>
               <a:t>e</a:t>
             </a:r>
             <a:r>
-              <a:rPr lang="nl-BE" altLang="nl-BE" dirty="0" smtClean="0"/>
+              <a:rPr lang="nl-BE" altLang="nl-BE" dirty="0"/>
               <a:t> en laatste waarde van een lijst om</a:t>
             </a:r>
           </a:p>
@@ -10031,7 +9785,7 @@
               <a:buNone/>
               <a:defRPr/>
             </a:pPr>
-            <a:endParaRPr lang="nl-BE" altLang="nl-BE" dirty="0" smtClean="0"/>
+            <a:endParaRPr lang="nl-BE" altLang="nl-BE" dirty="0"/>
           </a:p>
         </p:txBody>
       </p:sp>
@@ -10045,13 +9799,6 @@
   <p:clrMapOvr>
     <a:masterClrMapping/>
   </p:clrMapOvr>
-  <p:timing>
-    <p:tnLst>
-      <p:par>
-        <p:cTn id="1" dur="indefinite" restart="never" nodeType="tmRoot"/>
-      </p:par>
-    </p:tnLst>
-  </p:timing>
 </p:sld>
 </file>
 
@@ -10089,7 +9836,7 @@
           <a:p>
             <a:pPr eaLnBrk="1" hangingPunct="1"/>
             <a:r>
-              <a:rPr lang="nl-BE" altLang="nl-BE" smtClean="0"/>
+              <a:rPr lang="nl-BE" altLang="nl-BE"/>
               <a:t>Hulptechniek: tuples</a:t>
             </a:r>
           </a:p>
@@ -10114,116 +9861,104 @@
           <a:p>
             <a:pPr eaLnBrk="1" hangingPunct="1"/>
             <a:r>
-              <a:rPr lang="nl-BE" altLang="nl-BE" dirty="0" smtClean="0"/>
+              <a:rPr lang="nl-BE" altLang="nl-BE" dirty="0"/>
               <a:t>Naast lijsten: {</a:t>
             </a:r>
             <a:r>
-              <a:rPr lang="nl-BE" altLang="nl-BE" dirty="0" err="1" smtClean="0"/>
+              <a:rPr lang="nl-BE" altLang="nl-BE" dirty="0" err="1"/>
               <a:t>x,y</a:t>
             </a:r>
             <a:r>
               <a:rPr lang="nl-BE" altLang="nl-BE" dirty="0"/>
-              <a:t>}</a:t>
-            </a:r>
-            <a:r>
-              <a:rPr lang="nl-BE" altLang="nl-BE" dirty="0" smtClean="0"/>
-              <a:t> , {</a:t>
-            </a:r>
-            <a:r>
-              <a:rPr lang="nl-BE" altLang="nl-BE" dirty="0" err="1" smtClean="0"/>
+              <a:t>} , {</a:t>
+            </a:r>
+            <a:r>
+              <a:rPr lang="nl-BE" altLang="nl-BE" dirty="0" err="1"/>
               <a:t>x,y,z</a:t>
             </a:r>
             <a:r>
               <a:rPr lang="nl-BE" altLang="nl-BE" dirty="0"/>
-              <a:t>}</a:t>
-            </a:r>
-            <a:r>
-              <a:rPr lang="nl-BE" altLang="nl-BE" dirty="0" smtClean="0"/>
-              <a:t> , …</a:t>
+              <a:t>} , …</a:t>
             </a:r>
           </a:p>
           <a:p>
             <a:pPr lvl="1" eaLnBrk="1" hangingPunct="1"/>
             <a:r>
-              <a:rPr lang="nl-BE" altLang="nl-BE" dirty="0" smtClean="0"/>
+              <a:rPr lang="nl-BE" altLang="nl-BE" dirty="0"/>
               <a:t>Soms interessant om 2 of meer functiewaarden terug te geven of </a:t>
             </a:r>
             <a:br>
-              <a:rPr lang="nl-BE" altLang="nl-BE" dirty="0" smtClean="0"/>
+              <a:rPr lang="nl-BE" altLang="nl-BE" dirty="0"/>
             </a:br>
             <a:r>
-              <a:rPr lang="nl-BE" altLang="nl-BE" dirty="0" smtClean="0"/>
+              <a:rPr lang="nl-BE" altLang="nl-BE" dirty="0"/>
               <a:t>dingen te combineren</a:t>
             </a:r>
           </a:p>
           <a:p>
             <a:pPr lvl="1" eaLnBrk="1" hangingPunct="1"/>
             <a:r>
-              <a:rPr lang="nl-BE" altLang="nl-BE" dirty="0" smtClean="0"/>
+              <a:rPr lang="nl-BE" altLang="nl-BE" dirty="0"/>
               <a:t>Beetje zoals </a:t>
             </a:r>
             <a:r>
-              <a:rPr lang="nl-BE" altLang="nl-BE" dirty="0" err="1" smtClean="0"/>
+              <a:rPr lang="nl-BE" altLang="nl-BE" dirty="0" err="1"/>
               <a:t>struct</a:t>
             </a:r>
             <a:r>
-              <a:rPr lang="nl-BE" altLang="nl-BE" dirty="0" smtClean="0"/>
+              <a:rPr lang="nl-BE" altLang="nl-BE" dirty="0"/>
               <a:t> van C</a:t>
             </a:r>
           </a:p>
           <a:p>
             <a:pPr lvl="1" eaLnBrk="1" hangingPunct="1"/>
             <a:r>
-              <a:rPr lang="nl-BE" altLang="nl-BE" dirty="0" smtClean="0"/>
+              <a:rPr lang="nl-BE" altLang="nl-BE" dirty="0"/>
               <a:t>Onbeperkte aantal elementen mogelijk</a:t>
             </a:r>
           </a:p>
           <a:p>
             <a:r>
-              <a:rPr lang="nl-BE" dirty="0" smtClean="0"/>
+              <a:rPr lang="nl-BE" dirty="0"/>
               <a:t>Ook bruikbaar in </a:t>
             </a:r>
             <a:r>
-              <a:rPr lang="nl-BE" dirty="0" err="1" smtClean="0"/>
+              <a:rPr lang="nl-BE" dirty="0" err="1"/>
               <a:t>pattern</a:t>
             </a:r>
             <a:r>
-              <a:rPr lang="nl-BE" dirty="0" smtClean="0"/>
+              <a:rPr lang="nl-BE" dirty="0"/>
               <a:t>-matching</a:t>
             </a:r>
           </a:p>
           <a:p>
             <a:pPr lvl="1"/>
             <a:r>
-              <a:rPr lang="nl-BE" dirty="0" smtClean="0"/>
+              <a:rPr lang="nl-BE" dirty="0"/>
               <a:t>f( {X,Y} ) -&gt; …</a:t>
             </a:r>
           </a:p>
           <a:p>
             <a:r>
-              <a:rPr lang="nl-BE" dirty="0" smtClean="0"/>
+              <a:rPr lang="nl-BE" dirty="0"/>
               <a:t>Er bestaat een functie </a:t>
             </a:r>
             <a:r>
-              <a:rPr lang="nl-BE" dirty="0" err="1" smtClean="0"/>
+              <a:rPr lang="nl-BE" dirty="0" err="1"/>
               <a:t>elem</a:t>
             </a:r>
             <a:r>
-              <a:rPr lang="nl-BE" smtClean="0"/>
+              <a:rPr lang="nl-BE"/>
               <a:t>/2.</a:t>
             </a:r>
-            <a:r>
-              <a:rPr lang="nl-BE" dirty="0" smtClean="0"/>
-              <a:t/>
-            </a:r>
             <a:br>
-              <a:rPr lang="nl-BE" dirty="0" smtClean="0"/>
+              <a:rPr lang="nl-BE" dirty="0"/>
             </a:br>
-            <a:endParaRPr lang="nl-BE" dirty="0" smtClean="0"/>
-          </a:p>
-          <a:p>
-            <a:r>
-              <a:rPr lang="nl-BE" dirty="0" smtClean="0"/>
+            <a:endParaRPr lang="nl-BE" dirty="0"/>
+          </a:p>
+          <a:p>
+            <a:r>
+              <a:rPr lang="nl-BE" dirty="0"/>
               <a:t>Voorbeeld: geef het aantal voorkomens én de waarde van het element dat het meeste voorkomt in een lijst</a:t>
             </a:r>
           </a:p>
@@ -10231,7 +9966,7 @@
             <a:pPr marL="0" indent="0">
               <a:buNone/>
             </a:pPr>
-            <a:endParaRPr lang="nl-BE" altLang="nl-BE" dirty="0" smtClean="0"/>
+            <a:endParaRPr lang="nl-BE" altLang="nl-BE" dirty="0"/>
           </a:p>
         </p:txBody>
       </p:sp>
@@ -10245,13 +9980,6 @@
   <p:clrMapOvr>
     <a:masterClrMapping/>
   </p:clrMapOvr>
-  <p:timing>
-    <p:tnLst>
-      <p:par>
-        <p:cTn id="1" dur="indefinite" restart="never" nodeType="tmRoot"/>
-      </p:par>
-    </p:tnLst>
-  </p:timing>
 </p:sld>
 </file>
 
@@ -10288,7 +10016,7 @@
           <a:lstStyle/>
           <a:p>
             <a:r>
-              <a:rPr lang="nl-BE" altLang="nl-BE" smtClean="0"/>
+              <a:rPr lang="nl-BE" altLang="nl-BE"/>
               <a:t>FP in 3 puntjes</a:t>
             </a:r>
           </a:p>
@@ -10317,62 +10045,62 @@
           <a:lstStyle/>
           <a:p>
             <a:r>
-              <a:rPr lang="nl-BE" altLang="nl-BE" smtClean="0"/>
+              <a:rPr lang="nl-BE" altLang="nl-BE"/>
               <a:t>Gebaseerd op lambda calculus</a:t>
             </a:r>
           </a:p>
           <a:p>
             <a:pPr lvl="1"/>
             <a:r>
-              <a:rPr lang="nl-BE" altLang="nl-BE" smtClean="0"/>
+              <a:rPr lang="nl-BE" altLang="nl-BE"/>
               <a:t>Geen neveneffecten </a:t>
             </a:r>
           </a:p>
           <a:p>
             <a:pPr lvl="1"/>
             <a:r>
-              <a:rPr lang="nl-BE" altLang="nl-BE" b="1" smtClean="0"/>
+              <a:rPr lang="nl-BE" altLang="nl-BE" b="1"/>
               <a:t>Referential transparency</a:t>
             </a:r>
           </a:p>
           <a:p>
             <a:pPr lvl="2"/>
             <a:r>
-              <a:rPr lang="nl-BE" altLang="nl-BE" smtClean="0"/>
+              <a:rPr lang="nl-BE" altLang="nl-BE"/>
               <a:t>Een expressie heeft overal en altijd dezelfde waarde, onafhankelijk van de context</a:t>
             </a:r>
           </a:p>
           <a:p>
             <a:pPr lvl="1"/>
             <a:r>
-              <a:rPr lang="nl-BE" altLang="nl-BE" i="1" smtClean="0"/>
+              <a:rPr lang="nl-BE" altLang="nl-BE" i="1"/>
               <a:t>“niks in de mouwen, niks achter de rug”</a:t>
             </a:r>
-            <a:endParaRPr lang="nl-BE" altLang="nl-BE" smtClean="0"/>
-          </a:p>
-          <a:p>
-            <a:r>
-              <a:rPr lang="nl-BE" altLang="nl-BE" smtClean="0"/>
+            <a:endParaRPr lang="nl-BE" altLang="nl-BE"/>
+          </a:p>
+          <a:p>
+            <a:r>
+              <a:rPr lang="nl-BE" altLang="nl-BE"/>
               <a:t>Intelligente omgang met types</a:t>
             </a:r>
           </a:p>
           <a:p>
             <a:pPr lvl="1"/>
             <a:r>
-              <a:rPr lang="nl-BE" altLang="nl-BE" i="1" smtClean="0"/>
+              <a:rPr lang="nl-BE" altLang="nl-BE" i="1"/>
               <a:t>Compiler “ziet” het type</a:t>
             </a:r>
           </a:p>
           <a:p>
             <a:r>
-              <a:rPr lang="nl-BE" altLang="nl-BE" smtClean="0"/>
+              <a:rPr lang="nl-BE" altLang="nl-BE"/>
               <a:t>Zo generiek/herbruikbaar mogelijk</a:t>
             </a:r>
           </a:p>
           <a:p>
             <a:pPr lvl="1"/>
             <a:r>
-              <a:rPr lang="nl-BE" altLang="nl-BE" i="1" smtClean="0"/>
+              <a:rPr lang="nl-BE" altLang="nl-BE" i="1"/>
               <a:t>Code is in zoveel mogelijk situaties bruikbaar</a:t>
             </a:r>
           </a:p>
@@ -10388,13 +10116,6 @@
   <p:clrMapOvr>
     <a:masterClrMapping/>
   </p:clrMapOvr>
-  <p:timing>
-    <p:tnLst>
-      <p:par>
-        <p:cTn id="1" dur="indefinite" restart="never" nodeType="tmRoot"/>
-      </p:par>
-    </p:tnLst>
-  </p:timing>
 </p:sld>
 </file>
 
@@ -10431,7 +10152,7 @@
           <a:lstStyle/>
           <a:p>
             <a:r>
-              <a:rPr lang="nl-BE" altLang="nl-BE" smtClean="0"/>
+              <a:rPr lang="nl-BE" altLang="nl-BE"/>
               <a:t>Erlang in 3 puntjes</a:t>
             </a:r>
           </a:p>
@@ -10460,69 +10181,69 @@
           <a:lstStyle/>
           <a:p>
             <a:r>
-              <a:rPr lang="nl-BE" altLang="nl-BE" smtClean="0"/>
+              <a:rPr lang="nl-BE" altLang="nl-BE"/>
               <a:t>Pragmatische functionele taal</a:t>
             </a:r>
           </a:p>
           <a:p>
             <a:pPr lvl="1"/>
             <a:r>
-              <a:rPr lang="nl-BE" altLang="nl-BE" smtClean="0"/>
+              <a:rPr lang="nl-BE" altLang="nl-BE"/>
               <a:t>In principe geen neveneffecten, behalve bij io  </a:t>
             </a:r>
           </a:p>
           <a:p>
             <a:pPr lvl="1"/>
             <a:r>
-              <a:rPr lang="nl-BE" altLang="nl-BE" smtClean="0"/>
+              <a:rPr lang="nl-BE" altLang="nl-BE"/>
               <a:t>Best io heel strikt aflijnen en niet overal doorheen je code gebruiken.</a:t>
             </a:r>
           </a:p>
           <a:p>
             <a:r>
-              <a:rPr lang="nl-BE" altLang="nl-BE" smtClean="0"/>
+              <a:rPr lang="nl-BE" altLang="nl-BE"/>
               <a:t>Dynamisch getypeerd</a:t>
             </a:r>
           </a:p>
           <a:p>
             <a:pPr lvl="1"/>
             <a:r>
-              <a:rPr lang="nl-BE" altLang="nl-BE" smtClean="0"/>
+              <a:rPr lang="nl-BE" altLang="nl-BE"/>
               <a:t>“</a:t>
             </a:r>
             <a:r>
-              <a:rPr lang="nl-BE" altLang="nl-BE" i="1" smtClean="0"/>
+              <a:rPr lang="nl-BE" altLang="nl-BE" i="1"/>
               <a:t>Write whatever you like and at run time </a:t>
             </a:r>
             <a:br>
-              <a:rPr lang="nl-BE" altLang="nl-BE" i="1" smtClean="0"/>
+              <a:rPr lang="nl-BE" altLang="nl-BE" i="1"/>
             </a:br>
             <a:r>
-              <a:rPr lang="nl-BE" altLang="nl-BE" i="1" smtClean="0"/>
+              <a:rPr lang="nl-BE" altLang="nl-BE" i="1"/>
               <a:t>  we throw it in your face</a:t>
             </a:r>
             <a:r>
-              <a:rPr lang="nl-BE" altLang="nl-BE" smtClean="0"/>
+              <a:rPr lang="nl-BE" altLang="nl-BE"/>
               <a:t>”</a:t>
             </a:r>
           </a:p>
           <a:p>
             <a:pPr lvl="1"/>
             <a:r>
-              <a:rPr lang="nl-BE" altLang="nl-BE" smtClean="0"/>
+              <a:rPr lang="nl-BE" altLang="nl-BE"/>
               <a:t>Programma’s falen sowieso, dus opvangen!</a:t>
             </a:r>
           </a:p>
           <a:p>
             <a:r>
-              <a:rPr lang="nl-BE" altLang="nl-BE" smtClean="0"/>
+              <a:rPr lang="nl-BE" altLang="nl-BE"/>
               <a:t>Polymorf</a:t>
             </a:r>
           </a:p>
           <a:p>
             <a:pPr lvl="1"/>
             <a:r>
-              <a:rPr lang="nl-BE" altLang="nl-BE" smtClean="0"/>
+              <a:rPr lang="nl-BE" altLang="nl-BE"/>
               <a:t>Want functie kan verschillende types aan</a:t>
             </a:r>
           </a:p>
@@ -10538,13 +10259,6 @@
   <p:clrMapOvr>
     <a:masterClrMapping/>
   </p:clrMapOvr>
-  <p:timing>
-    <p:tnLst>
-      <p:par>
-        <p:cTn id="1" dur="indefinite" restart="never" nodeType="tmRoot"/>
-      </p:par>
-    </p:tnLst>
-  </p:timing>
 </p:sld>
 </file>
 
@@ -10581,7 +10295,7 @@
           <a:lstStyle/>
           <a:p>
             <a:r>
-              <a:rPr lang="nl-BE" altLang="nl-BE" smtClean="0"/>
+              <a:rPr lang="nl-BE" altLang="nl-BE"/>
               <a:t>Haskell in 3 puntjes</a:t>
             </a:r>
           </a:p>
@@ -10608,62 +10322,62 @@
           <a:lstStyle/>
           <a:p>
             <a:r>
-              <a:rPr lang="nl-BE" altLang="nl-BE" smtClean="0"/>
+              <a:rPr lang="nl-BE" altLang="nl-BE"/>
               <a:t>Pure functionele taal</a:t>
             </a:r>
           </a:p>
           <a:p>
             <a:pPr lvl="1"/>
             <a:r>
-              <a:rPr lang="nl-BE" altLang="nl-BE" smtClean="0"/>
+              <a:rPr lang="nl-BE" altLang="nl-BE"/>
               <a:t>Academisch, dus écht géén neveneffecten </a:t>
             </a:r>
           </a:p>
           <a:p>
             <a:pPr lvl="2"/>
             <a:r>
-              <a:rPr lang="nl-BE" altLang="nl-BE" smtClean="0"/>
+              <a:rPr lang="nl-BE" altLang="nl-BE"/>
               <a:t>Speciale constructies voor IO </a:t>
             </a:r>
           </a:p>
           <a:p>
             <a:r>
-              <a:rPr lang="nl-BE" altLang="nl-BE" smtClean="0"/>
+              <a:rPr lang="nl-BE" altLang="nl-BE"/>
               <a:t>Statisch &amp; sterk getypeerd + type inferentie</a:t>
             </a:r>
           </a:p>
           <a:p>
             <a:pPr lvl="1"/>
             <a:r>
-              <a:rPr lang="nl-BE" altLang="nl-BE" smtClean="0"/>
+              <a:rPr lang="nl-BE" altLang="nl-BE"/>
               <a:t>“</a:t>
             </a:r>
             <a:r>
-              <a:rPr lang="nl-BE" altLang="nl-BE" i="1" smtClean="0"/>
+              <a:rPr lang="nl-BE" altLang="nl-BE" i="1"/>
               <a:t>Strongly typed programs can’t go wrong</a:t>
             </a:r>
             <a:r>
-              <a:rPr lang="nl-BE" altLang="nl-BE" smtClean="0"/>
+              <a:rPr lang="nl-BE" altLang="nl-BE"/>
               <a:t>”</a:t>
             </a:r>
             <a:br>
-              <a:rPr lang="nl-BE" altLang="nl-BE" smtClean="0"/>
+              <a:rPr lang="nl-BE" altLang="nl-BE"/>
             </a:br>
             <a:r>
-              <a:rPr lang="nl-BE" altLang="nl-BE" smtClean="0"/>
+              <a:rPr lang="nl-BE" altLang="nl-BE"/>
               <a:t>-&gt; falen is geen optie</a:t>
             </a:r>
           </a:p>
           <a:p>
             <a:r>
-              <a:rPr lang="nl-BE" altLang="nl-BE" smtClean="0"/>
+              <a:rPr lang="nl-BE" altLang="nl-BE"/>
               <a:t>Polymorf</a:t>
             </a:r>
           </a:p>
           <a:p>
             <a:pPr lvl="1"/>
             <a:r>
-              <a:rPr lang="nl-BE" altLang="nl-BE" smtClean="0"/>
+              <a:rPr lang="nl-BE" altLang="nl-BE"/>
               <a:t>Een functie kan automatisch op verschillende types werken afh. van gebruikte operaties</a:t>
             </a:r>
           </a:p>
@@ -10679,13 +10393,6 @@
   <p:clrMapOvr>
     <a:masterClrMapping/>
   </p:clrMapOvr>
-  <p:timing>
-    <p:tnLst>
-      <p:par>
-        <p:cTn id="1" dur="indefinite" restart="never" nodeType="tmRoot"/>
-      </p:par>
-    </p:tnLst>
-  </p:timing>
 </p:sld>
 </file>
 
@@ -10722,7 +10429,7 @@
           <a:lstStyle/>
           <a:p>
             <a:r>
-              <a:rPr lang="nl-BE" altLang="nl-BE" smtClean="0"/>
+              <a:rPr lang="nl-BE" altLang="nl-BE"/>
               <a:t>Lambda calculus (herhaling)</a:t>
             </a:r>
           </a:p>
@@ -10750,20 +10457,12 @@
               <a:rPr lang="nl-BE" dirty="0"/>
               <a:t>Elke expressie heeft één waarde die nooit verandert </a:t>
             </a:r>
-            <a:r>
-              <a:rPr lang="nl-BE" dirty="0" smtClean="0"/>
-              <a:t/>
-            </a:r>
             <a:br>
-              <a:rPr lang="nl-BE" dirty="0" smtClean="0"/>
+              <a:rPr lang="nl-BE" dirty="0"/>
             </a:br>
             <a:r>
-              <a:rPr lang="nl-BE" dirty="0" smtClean="0"/>
-              <a:t>↔ </a:t>
-            </a:r>
-            <a:r>
               <a:rPr lang="nl-BE" dirty="0"/>
-              <a:t>variabelen in imperatieve talen</a:t>
+              <a:t>↔ variabelen in imperatieve talen</a:t>
             </a:r>
           </a:p>
           <a:p>
@@ -10889,13 +10588,6 @@
   <p:clrMapOvr>
     <a:masterClrMapping/>
   </p:clrMapOvr>
-  <p:timing>
-    <p:tnLst>
-      <p:par>
-        <p:cTn id="1" dur="indefinite" restart="never" nodeType="tmRoot"/>
-      </p:par>
-    </p:tnLst>
-  </p:timing>
 </p:sld>
 </file>
 
@@ -10932,7 +10624,7 @@
           <a:lstStyle/>
           <a:p>
             <a:r>
-              <a:rPr lang="nl-BE" altLang="nl-BE" smtClean="0"/>
+              <a:rPr lang="nl-BE" altLang="nl-BE"/>
               <a:t>Lambda Calculus (2) (herhaling)</a:t>
             </a:r>
           </a:p>
@@ -10954,36 +10646,36 @@
           <a:lstStyle/>
           <a:p>
             <a:r>
-              <a:rPr lang="nl-BE" altLang="nl-BE" smtClean="0"/>
+              <a:rPr lang="nl-BE" altLang="nl-BE"/>
               <a:t>f x = g(3+x)+x</a:t>
             </a:r>
           </a:p>
           <a:p>
             <a:r>
-              <a:rPr lang="nl-BE" altLang="nl-BE" smtClean="0"/>
+              <a:rPr lang="nl-BE" altLang="nl-BE"/>
               <a:t>g y = y+1</a:t>
             </a:r>
           </a:p>
           <a:p>
             <a:r>
-              <a:rPr lang="nl-BE" altLang="nl-BE" smtClean="0"/>
+              <a:rPr lang="nl-BE" altLang="nl-BE"/>
               <a:t>z = 5</a:t>
             </a:r>
           </a:p>
           <a:p>
-            <a:endParaRPr lang="nl-BE" altLang="nl-BE" smtClean="0"/>
-          </a:p>
-          <a:p>
-            <a:r>
-              <a:rPr lang="nl-BE" altLang="nl-BE" smtClean="0"/>
+            <a:endParaRPr lang="nl-BE" altLang="nl-BE"/>
+          </a:p>
+          <a:p>
+            <a:r>
+              <a:rPr lang="nl-BE" altLang="nl-BE"/>
               <a:t>f z + g z</a:t>
             </a:r>
           </a:p>
           <a:p>
-            <a:endParaRPr lang="nl-BE" altLang="nl-BE" smtClean="0"/>
-          </a:p>
-          <a:p>
-            <a:endParaRPr lang="nl-BE" altLang="nl-BE" smtClean="0"/>
+            <a:endParaRPr lang="nl-BE" altLang="nl-BE"/>
+          </a:p>
+          <a:p>
+            <a:endParaRPr lang="nl-BE" altLang="nl-BE"/>
           </a:p>
         </p:txBody>
       </p:sp>
@@ -10997,13 +10689,6 @@
   <p:clrMapOvr>
     <a:masterClrMapping/>
   </p:clrMapOvr>
-  <p:timing>
-    <p:tnLst>
-      <p:par>
-        <p:cTn id="1" dur="indefinite" restart="never" nodeType="tmRoot"/>
-      </p:par>
-    </p:tnLst>
-  </p:timing>
 </p:sld>
 </file>
 
@@ -11040,7 +10725,7 @@
           <a:lstStyle/>
           <a:p>
             <a:r>
-              <a:rPr lang="nl-BE" altLang="nl-BE" dirty="0" smtClean="0"/>
+              <a:rPr lang="nl-BE" altLang="nl-BE" dirty="0"/>
               <a:t>Hetzelfde in Erlang</a:t>
             </a:r>
           </a:p>
@@ -11062,36 +10747,36 @@
           <a:lstStyle/>
           <a:p>
             <a:r>
-              <a:rPr lang="nl-BE" altLang="nl-BE" dirty="0" smtClean="0"/>
+              <a:rPr lang="nl-BE" altLang="nl-BE" dirty="0"/>
               <a:t>f(X) -&gt; g(3+X)+X.</a:t>
             </a:r>
           </a:p>
           <a:p>
             <a:r>
-              <a:rPr lang="nl-BE" altLang="nl-BE" dirty="0" smtClean="0"/>
+              <a:rPr lang="nl-BE" altLang="nl-BE" dirty="0"/>
               <a:t>g(Y) -&gt; Y+1.</a:t>
             </a:r>
           </a:p>
           <a:p>
-            <a:endParaRPr lang="nl-BE" altLang="nl-BE" dirty="0" smtClean="0"/>
-          </a:p>
-          <a:p>
             <a:endParaRPr lang="nl-BE" altLang="nl-BE" dirty="0"/>
           </a:p>
           <a:p>
-            <a:endParaRPr lang="nl-BE" altLang="nl-BE" dirty="0" smtClean="0"/>
-          </a:p>
-          <a:p>
-            <a:r>
-              <a:rPr lang="nl-BE" altLang="nl-BE" dirty="0" smtClean="0"/>
+            <a:endParaRPr lang="nl-BE" altLang="nl-BE" dirty="0"/>
+          </a:p>
+          <a:p>
+            <a:endParaRPr lang="nl-BE" altLang="nl-BE" dirty="0"/>
+          </a:p>
+          <a:p>
+            <a:r>
+              <a:rPr lang="nl-BE" altLang="nl-BE" dirty="0"/>
               <a:t>f(5) + g(5)</a:t>
             </a:r>
           </a:p>
           <a:p>
-            <a:endParaRPr lang="nl-BE" altLang="nl-BE" dirty="0" smtClean="0"/>
-          </a:p>
-          <a:p>
-            <a:endParaRPr lang="nl-BE" altLang="nl-BE" dirty="0" smtClean="0"/>
+            <a:endParaRPr lang="nl-BE" altLang="nl-BE" dirty="0"/>
+          </a:p>
+          <a:p>
+            <a:endParaRPr lang="nl-BE" altLang="nl-BE" dirty="0"/>
           </a:p>
         </p:txBody>
       </p:sp>
@@ -11105,13 +10790,6 @@
   <p:clrMapOvr>
     <a:masterClrMapping/>
   </p:clrMapOvr>
-  <p:timing>
-    <p:tnLst>
-      <p:par>
-        <p:cTn id="1" dur="indefinite" restart="never" nodeType="tmRoot"/>
-      </p:par>
-    </p:tnLst>
-  </p:timing>
 </p:sld>
 </file>
 
@@ -11148,7 +10826,7 @@
           <a:lstStyle/>
           <a:p>
             <a:r>
-              <a:rPr lang="nl-BE" altLang="nl-BE" smtClean="0"/>
+              <a:rPr lang="nl-BE" altLang="nl-BE"/>
               <a:t>Belangrijke syntax</a:t>
             </a:r>
           </a:p>
@@ -11170,7 +10848,7 @@
           <a:lstStyle/>
           <a:p>
             <a:r>
-              <a:rPr lang="nl-BE" altLang="nl-BE" dirty="0" smtClean="0"/>
+              <a:rPr lang="nl-BE" altLang="nl-BE" dirty="0"/>
               <a:t>Functie-definitie eindigt met .</a:t>
             </a:r>
           </a:p>
@@ -11178,17 +10856,17 @@
             <a:pPr marL="0" indent="0">
               <a:buNone/>
             </a:pPr>
-            <a:endParaRPr lang="nl-BE" altLang="nl-BE" dirty="0" smtClean="0"/>
-          </a:p>
-          <a:p>
-            <a:r>
-              <a:rPr lang="nl-BE" altLang="nl-BE" dirty="0" smtClean="0"/>
+            <a:endParaRPr lang="nl-BE" altLang="nl-BE" dirty="0"/>
+          </a:p>
+          <a:p>
+            <a:r>
+              <a:rPr lang="nl-BE" altLang="nl-BE" dirty="0"/>
               <a:t>Variabelen  zijn met hoofdletter.</a:t>
             </a:r>
           </a:p>
           <a:p>
             <a:r>
-              <a:rPr lang="nl-BE" altLang="nl-BE" dirty="0" smtClean="0"/>
+              <a:rPr lang="nl-BE" altLang="nl-BE" dirty="0"/>
               <a:t>Geen toekenning en dus geen =, maar -&gt;</a:t>
             </a:r>
           </a:p>
@@ -11204,13 +10882,6 @@
   <p:clrMapOvr>
     <a:masterClrMapping/>
   </p:clrMapOvr>
-  <p:timing>
-    <p:tnLst>
-      <p:par>
-        <p:cTn id="1" dur="indefinite" restart="never" nodeType="tmRoot"/>
-      </p:par>
-    </p:tnLst>
-  </p:timing>
 </p:sld>
 </file>
 
